--- a/OLearyMA-RUMESlides.pptx
+++ b/OLearyMA-RUMESlides.pptx
@@ -5,7 +5,7 @@
     <p:sldMasterId id="2147483660" r:id="rId1"/>
   </p:sldMasterIdLst>
   <p:notesMasterIdLst>
-    <p:notesMasterId r:id="rId29"/>
+    <p:notesMasterId r:id="rId30"/>
   </p:notesMasterIdLst>
   <p:sldIdLst>
     <p:sldId id="256" r:id="rId2"/>
@@ -16,25 +16,26 @@
     <p:sldId id="281" r:id="rId7"/>
     <p:sldId id="293" r:id="rId8"/>
     <p:sldId id="282" r:id="rId9"/>
-    <p:sldId id="283" r:id="rId10"/>
-    <p:sldId id="294" r:id="rId11"/>
-    <p:sldId id="296" r:id="rId12"/>
-    <p:sldId id="295" r:id="rId13"/>
-    <p:sldId id="298" r:id="rId14"/>
-    <p:sldId id="285" r:id="rId15"/>
-    <p:sldId id="286" r:id="rId16"/>
-    <p:sldId id="303" r:id="rId17"/>
-    <p:sldId id="304" r:id="rId18"/>
-    <p:sldId id="305" r:id="rId19"/>
-    <p:sldId id="297" r:id="rId20"/>
-    <p:sldId id="287" r:id="rId21"/>
-    <p:sldId id="288" r:id="rId22"/>
-    <p:sldId id="289" r:id="rId23"/>
-    <p:sldId id="290" r:id="rId24"/>
-    <p:sldId id="300" r:id="rId25"/>
-    <p:sldId id="301" r:id="rId26"/>
-    <p:sldId id="291" r:id="rId27"/>
-    <p:sldId id="270" r:id="rId28"/>
+    <p:sldId id="307" r:id="rId10"/>
+    <p:sldId id="283" r:id="rId11"/>
+    <p:sldId id="294" r:id="rId12"/>
+    <p:sldId id="296" r:id="rId13"/>
+    <p:sldId id="295" r:id="rId14"/>
+    <p:sldId id="298" r:id="rId15"/>
+    <p:sldId id="285" r:id="rId16"/>
+    <p:sldId id="286" r:id="rId17"/>
+    <p:sldId id="303" r:id="rId18"/>
+    <p:sldId id="304" r:id="rId19"/>
+    <p:sldId id="305" r:id="rId20"/>
+    <p:sldId id="297" r:id="rId21"/>
+    <p:sldId id="287" r:id="rId22"/>
+    <p:sldId id="288" r:id="rId23"/>
+    <p:sldId id="289" r:id="rId24"/>
+    <p:sldId id="290" r:id="rId25"/>
+    <p:sldId id="300" r:id="rId26"/>
+    <p:sldId id="301" r:id="rId27"/>
+    <p:sldId id="291" r:id="rId28"/>
+    <p:sldId id="270" r:id="rId29"/>
   </p:sldIdLst>
   <p:sldSz cx="12192000" cy="6858000"/>
   <p:notesSz cx="6858000" cy="9144000"/>
@@ -151,66 +152,6 @@
 
 <file path=ppt/changesInfos/changesInfo1.xml><?xml version="1.0" encoding="utf-8"?>
 <pc:chgInfo xmlns:a="http://schemas.openxmlformats.org/drawingml/2006/main" xmlns:r="http://schemas.openxmlformats.org/officeDocument/2006/relationships" xmlns:ac="http://schemas.microsoft.com/office/drawing/2013/main/command" xmlns:pc="http://schemas.microsoft.com/office/powerpoint/2013/main/command">
-  <pc:docChgLst>
-    <pc:chgData name="Kolesnikov, Alexei" userId="361f1071-a049-4a5a-83ac-2675c6b72e82" providerId="ADAL" clId="{4086AFFA-25BE-4FDA-9431-973E6EAC73FF}"/>
-    <pc:docChg chg="undo custSel modSld">
-      <pc:chgData name="Kolesnikov, Alexei" userId="361f1071-a049-4a5a-83ac-2675c6b72e82" providerId="ADAL" clId="{4086AFFA-25BE-4FDA-9431-973E6EAC73FF}" dt="2023-10-06T15:51:06.492" v="424" actId="20577"/>
-      <pc:docMkLst>
-        <pc:docMk/>
-      </pc:docMkLst>
-      <pc:sldChg chg="modSp mod">
-        <pc:chgData name="Kolesnikov, Alexei" userId="361f1071-a049-4a5a-83ac-2675c6b72e82" providerId="ADAL" clId="{4086AFFA-25BE-4FDA-9431-973E6EAC73FF}" dt="2023-10-06T15:51:06.492" v="424" actId="20577"/>
-        <pc:sldMkLst>
-          <pc:docMk/>
-          <pc:sldMk cId="929208988" sldId="273"/>
-        </pc:sldMkLst>
-      </pc:sldChg>
-    </pc:docChg>
-  </pc:docChgLst>
-  <pc:docChgLst>
-    <pc:chgData name="Hübler, Romy" userId="S::rhuebler@towson.edu::9c2c3b12-3b34-4c3b-9635-e0bfb62e8096" providerId="AD" clId="Web-{37415DCA-96C7-1791-9AD5-88863A5380E5}"/>
-    <pc:docChg chg="modSld">
-      <pc:chgData name="Hübler, Romy" userId="S::rhuebler@towson.edu::9c2c3b12-3b34-4c3b-9635-e0bfb62e8096" providerId="AD" clId="Web-{37415DCA-96C7-1791-9AD5-88863A5380E5}" dt="2023-10-06T12:59:32.184" v="3053" actId="20577"/>
-      <pc:docMkLst>
-        <pc:docMk/>
-      </pc:docMkLst>
-      <pc:sldChg chg="modSp modNotes">
-        <pc:chgData name="Hübler, Romy" userId="S::rhuebler@towson.edu::9c2c3b12-3b34-4c3b-9635-e0bfb62e8096" providerId="AD" clId="Web-{37415DCA-96C7-1791-9AD5-88863A5380E5}" dt="2023-10-06T11:58:02.584" v="268"/>
-        <pc:sldMkLst>
-          <pc:docMk/>
-          <pc:sldMk cId="3534015181" sldId="263"/>
-        </pc:sldMkLst>
-      </pc:sldChg>
-      <pc:sldChg chg="modSp modNotes">
-        <pc:chgData name="Hübler, Romy" userId="S::rhuebler@towson.edu::9c2c3b12-3b34-4c3b-9635-e0bfb62e8096" providerId="AD" clId="Web-{37415DCA-96C7-1791-9AD5-88863A5380E5}" dt="2023-10-06T12:18:42.206" v="978"/>
-        <pc:sldMkLst>
-          <pc:docMk/>
-          <pc:sldMk cId="2707141287" sldId="265"/>
-        </pc:sldMkLst>
-      </pc:sldChg>
-      <pc:sldChg chg="modSp modNotes">
-        <pc:chgData name="Hübler, Romy" userId="S::rhuebler@towson.edu::9c2c3b12-3b34-4c3b-9635-e0bfb62e8096" providerId="AD" clId="Web-{37415DCA-96C7-1791-9AD5-88863A5380E5}" dt="2023-10-06T12:55:39.511" v="2881" actId="20577"/>
-        <pc:sldMkLst>
-          <pc:docMk/>
-          <pc:sldMk cId="3244309852" sldId="266"/>
-        </pc:sldMkLst>
-      </pc:sldChg>
-      <pc:sldChg chg="modSp modNotes">
-        <pc:chgData name="Hübler, Romy" userId="S::rhuebler@towson.edu::9c2c3b12-3b34-4c3b-9635-e0bfb62e8096" providerId="AD" clId="Web-{37415DCA-96C7-1791-9AD5-88863A5380E5}" dt="2023-10-06T12:03:59.704" v="574"/>
-        <pc:sldMkLst>
-          <pc:docMk/>
-          <pc:sldMk cId="2185673150" sldId="271"/>
-        </pc:sldMkLst>
-      </pc:sldChg>
-      <pc:sldChg chg="addSp modSp modNotes">
-        <pc:chgData name="Hübler, Romy" userId="S::rhuebler@towson.edu::9c2c3b12-3b34-4c3b-9635-e0bfb62e8096" providerId="AD" clId="Web-{37415DCA-96C7-1791-9AD5-88863A5380E5}" dt="2023-10-06T12:59:32.184" v="3053" actId="20577"/>
-        <pc:sldMkLst>
-          <pc:docMk/>
-          <pc:sldMk cId="929208988" sldId="273"/>
-        </pc:sldMkLst>
-      </pc:sldChg>
-    </pc:docChg>
-  </pc:docChgLst>
   <pc:docChgLst>
     <pc:chgData name="O'Leary, Eric" userId="S::eolear2@students.towson.edu::d6de8fc9-50d8-41fb-a01b-20d7b30c306f" providerId="AD" clId="Web-{83EDF8A0-4BC0-F0CB-BC0C-14D621775B90}"/>
     <pc:docChg chg="addSld delSld modSld">
@@ -503,6 +444,265 @@
     </pc:docChg>
   </pc:docChgLst>
   <pc:docChgLst>
+    <pc:chgData name="Kolesnikov, Alexei" userId="361f1071-a049-4a5a-83ac-2675c6b72e82" providerId="ADAL" clId="{60767DA9-EF7B-40E3-BF88-1561865C9C6D}"/>
+    <pc:docChg chg="addSld modSld">
+      <pc:chgData name="Kolesnikov, Alexei" userId="361f1071-a049-4a5a-83ac-2675c6b72e82" providerId="ADAL" clId="{60767DA9-EF7B-40E3-BF88-1561865C9C6D}" dt="2023-10-04T14:16:37.308" v="516" actId="20577"/>
+      <pc:docMkLst>
+        <pc:docMk/>
+      </pc:docMkLst>
+      <pc:sldChg chg="modSp mod">
+        <pc:chgData name="Kolesnikov, Alexei" userId="361f1071-a049-4a5a-83ac-2675c6b72e82" providerId="ADAL" clId="{60767DA9-EF7B-40E3-BF88-1561865C9C6D}" dt="2023-10-04T13:39:52.340" v="204" actId="20577"/>
+        <pc:sldMkLst>
+          <pc:docMk/>
+          <pc:sldMk cId="3624296865" sldId="258"/>
+        </pc:sldMkLst>
+      </pc:sldChg>
+      <pc:sldChg chg="modSp mod">
+        <pc:chgData name="Kolesnikov, Alexei" userId="361f1071-a049-4a5a-83ac-2675c6b72e82" providerId="ADAL" clId="{60767DA9-EF7B-40E3-BF88-1561865C9C6D}" dt="2023-10-04T13:40:05.732" v="205" actId="20577"/>
+        <pc:sldMkLst>
+          <pc:docMk/>
+          <pc:sldMk cId="706286972" sldId="259"/>
+        </pc:sldMkLst>
+      </pc:sldChg>
+      <pc:sldChg chg="modSp mod">
+        <pc:chgData name="Kolesnikov, Alexei" userId="361f1071-a049-4a5a-83ac-2675c6b72e82" providerId="ADAL" clId="{60767DA9-EF7B-40E3-BF88-1561865C9C6D}" dt="2023-10-04T14:16:37.308" v="516" actId="20577"/>
+        <pc:sldMkLst>
+          <pc:docMk/>
+          <pc:sldMk cId="1015678499" sldId="260"/>
+        </pc:sldMkLst>
+      </pc:sldChg>
+      <pc:sldChg chg="modSp mod">
+        <pc:chgData name="Kolesnikov, Alexei" userId="361f1071-a049-4a5a-83ac-2675c6b72e82" providerId="ADAL" clId="{60767DA9-EF7B-40E3-BF88-1561865C9C6D}" dt="2023-10-04T13:35:28.803" v="203" actId="20577"/>
+        <pc:sldMkLst>
+          <pc:docMk/>
+          <pc:sldMk cId="3534015181" sldId="263"/>
+        </pc:sldMkLst>
+      </pc:sldChg>
+      <pc:sldChg chg="modSp mod">
+        <pc:chgData name="Kolesnikov, Alexei" userId="361f1071-a049-4a5a-83ac-2675c6b72e82" providerId="ADAL" clId="{60767DA9-EF7B-40E3-BF88-1561865C9C6D}" dt="2023-10-02T13:17:57.790" v="52" actId="108"/>
+        <pc:sldMkLst>
+          <pc:docMk/>
+          <pc:sldMk cId="3244309852" sldId="266"/>
+        </pc:sldMkLst>
+      </pc:sldChg>
+      <pc:sldChg chg="modSp mod">
+        <pc:chgData name="Kolesnikov, Alexei" userId="361f1071-a049-4a5a-83ac-2675c6b72e82" providerId="ADAL" clId="{60767DA9-EF7B-40E3-BF88-1561865C9C6D}" dt="2023-10-04T13:35:19.331" v="188" actId="20577"/>
+        <pc:sldMkLst>
+          <pc:docMk/>
+          <pc:sldMk cId="2185673150" sldId="271"/>
+        </pc:sldMkLst>
+      </pc:sldChg>
+      <pc:sldChg chg="add modNotesTx">
+        <pc:chgData name="Kolesnikov, Alexei" userId="361f1071-a049-4a5a-83ac-2675c6b72e82" providerId="ADAL" clId="{60767DA9-EF7B-40E3-BF88-1561865C9C6D}" dt="2023-10-02T13:48:31.210" v="155" actId="20577"/>
+        <pc:sldMkLst>
+          <pc:docMk/>
+          <pc:sldMk cId="929208988" sldId="273"/>
+        </pc:sldMkLst>
+      </pc:sldChg>
+    </pc:docChg>
+  </pc:docChgLst>
+  <pc:docChgLst>
+    <pc:chgData name="Kolesnikov, Alexei" userId="361f1071-a049-4a5a-83ac-2675c6b72e82" providerId="ADAL" clId="{F890DF0E-12D3-4D0B-A5EF-3B6A83B2098C}"/>
+    <pc:docChg chg="custSel addSld delSld modSld">
+      <pc:chgData name="Kolesnikov, Alexei" userId="361f1071-a049-4a5a-83ac-2675c6b72e82" providerId="ADAL" clId="{F890DF0E-12D3-4D0B-A5EF-3B6A83B2098C}" dt="2025-09-12T14:37:07.790" v="901" actId="20577"/>
+      <pc:docMkLst>
+        <pc:docMk/>
+      </pc:docMkLst>
+      <pc:sldChg chg="modSp mod">
+        <pc:chgData name="Kolesnikov, Alexei" userId="361f1071-a049-4a5a-83ac-2675c6b72e82" providerId="ADAL" clId="{F890DF0E-12D3-4D0B-A5EF-3B6A83B2098C}" dt="2025-09-12T13:29:41.960" v="67" actId="14100"/>
+        <pc:sldMkLst>
+          <pc:docMk/>
+          <pc:sldMk cId="1650962456" sldId="256"/>
+        </pc:sldMkLst>
+        <pc:spChg chg="mod">
+          <ac:chgData name="Kolesnikov, Alexei" userId="361f1071-a049-4a5a-83ac-2675c6b72e82" providerId="ADAL" clId="{F890DF0E-12D3-4D0B-A5EF-3B6A83B2098C}" dt="2025-09-12T13:29:41.960" v="67" actId="14100"/>
+          <ac:spMkLst>
+            <pc:docMk/>
+            <pc:sldMk cId="1650962456" sldId="256"/>
+            <ac:spMk id="2" creationId="{62C4E5DC-F785-3C44-8D74-72C83B9903DC}"/>
+          </ac:spMkLst>
+        </pc:spChg>
+        <pc:spChg chg="mod">
+          <ac:chgData name="Kolesnikov, Alexei" userId="361f1071-a049-4a5a-83ac-2675c6b72e82" providerId="ADAL" clId="{F890DF0E-12D3-4D0B-A5EF-3B6A83B2098C}" dt="2025-09-12T13:29:09.408" v="64" actId="1076"/>
+          <ac:spMkLst>
+            <pc:docMk/>
+            <pc:sldMk cId="1650962456" sldId="256"/>
+            <ac:spMk id="3" creationId="{1103FB4D-68CC-6D49-9F8F-3A82CADE9490}"/>
+          </ac:spMkLst>
+        </pc:spChg>
+      </pc:sldChg>
+      <pc:sldChg chg="modSp mod modNotesTx">
+        <pc:chgData name="Kolesnikov, Alexei" userId="361f1071-a049-4a5a-83ac-2675c6b72e82" providerId="ADAL" clId="{F890DF0E-12D3-4D0B-A5EF-3B6A83B2098C}" dt="2025-09-12T14:18:16.623" v="408" actId="20577"/>
+        <pc:sldMkLst>
+          <pc:docMk/>
+          <pc:sldMk cId="222924787" sldId="257"/>
+        </pc:sldMkLst>
+      </pc:sldChg>
+      <pc:sldChg chg="modSp mod">
+        <pc:chgData name="Kolesnikov, Alexei" userId="361f1071-a049-4a5a-83ac-2675c6b72e82" providerId="ADAL" clId="{F890DF0E-12D3-4D0B-A5EF-3B6A83B2098C}" dt="2025-09-12T14:37:07.790" v="901" actId="20577"/>
+        <pc:sldMkLst>
+          <pc:docMk/>
+          <pc:sldMk cId="3624296865" sldId="258"/>
+        </pc:sldMkLst>
+      </pc:sldChg>
+      <pc:sldChg chg="modSp mod modNotesTx">
+        <pc:chgData name="Kolesnikov, Alexei" userId="361f1071-a049-4a5a-83ac-2675c6b72e82" providerId="ADAL" clId="{F890DF0E-12D3-4D0B-A5EF-3B6A83B2098C}" dt="2025-09-12T14:27:36.524" v="662" actId="255"/>
+        <pc:sldMkLst>
+          <pc:docMk/>
+          <pc:sldMk cId="706286972" sldId="259"/>
+        </pc:sldMkLst>
+      </pc:sldChg>
+      <pc:sldChg chg="del">
+        <pc:chgData name="Kolesnikov, Alexei" userId="361f1071-a049-4a5a-83ac-2675c6b72e82" providerId="ADAL" clId="{F890DF0E-12D3-4D0B-A5EF-3B6A83B2098C}" dt="2025-09-12T13:31:51.680" v="73" actId="47"/>
+        <pc:sldMkLst>
+          <pc:docMk/>
+          <pc:sldMk cId="1015678499" sldId="260"/>
+        </pc:sldMkLst>
+      </pc:sldChg>
+      <pc:sldChg chg="del">
+        <pc:chgData name="Kolesnikov, Alexei" userId="361f1071-a049-4a5a-83ac-2675c6b72e82" providerId="ADAL" clId="{F890DF0E-12D3-4D0B-A5EF-3B6A83B2098C}" dt="2025-09-12T13:31:53.089" v="74" actId="47"/>
+        <pc:sldMkLst>
+          <pc:docMk/>
+          <pc:sldMk cId="1198226304" sldId="262"/>
+        </pc:sldMkLst>
+      </pc:sldChg>
+      <pc:sldChg chg="del">
+        <pc:chgData name="Kolesnikov, Alexei" userId="361f1071-a049-4a5a-83ac-2675c6b72e82" providerId="ADAL" clId="{F890DF0E-12D3-4D0B-A5EF-3B6A83B2098C}" dt="2025-09-12T13:31:54.256" v="75" actId="47"/>
+        <pc:sldMkLst>
+          <pc:docMk/>
+          <pc:sldMk cId="3534015181" sldId="263"/>
+        </pc:sldMkLst>
+      </pc:sldChg>
+      <pc:sldChg chg="del">
+        <pc:chgData name="Kolesnikov, Alexei" userId="361f1071-a049-4a5a-83ac-2675c6b72e82" providerId="ADAL" clId="{F890DF0E-12D3-4D0B-A5EF-3B6A83B2098C}" dt="2025-09-12T13:31:56.416" v="77" actId="47"/>
+        <pc:sldMkLst>
+          <pc:docMk/>
+          <pc:sldMk cId="2707141287" sldId="265"/>
+        </pc:sldMkLst>
+      </pc:sldChg>
+      <pc:sldChg chg="del">
+        <pc:chgData name="Kolesnikov, Alexei" userId="361f1071-a049-4a5a-83ac-2675c6b72e82" providerId="ADAL" clId="{F890DF0E-12D3-4D0B-A5EF-3B6A83B2098C}" dt="2025-09-12T13:31:57.169" v="78" actId="47"/>
+        <pc:sldMkLst>
+          <pc:docMk/>
+          <pc:sldMk cId="3244309852" sldId="266"/>
+        </pc:sldMkLst>
+      </pc:sldChg>
+      <pc:sldChg chg="modSp mod">
+        <pc:chgData name="Kolesnikov, Alexei" userId="361f1071-a049-4a5a-83ac-2675c6b72e82" providerId="ADAL" clId="{F890DF0E-12D3-4D0B-A5EF-3B6A83B2098C}" dt="2025-09-12T13:32:20.616" v="93" actId="20577"/>
+        <pc:sldMkLst>
+          <pc:docMk/>
+          <pc:sldMk cId="34691784" sldId="270"/>
+        </pc:sldMkLst>
+        <pc:spChg chg="mod">
+          <ac:chgData name="Kolesnikov, Alexei" userId="361f1071-a049-4a5a-83ac-2675c6b72e82" providerId="ADAL" clId="{F890DF0E-12D3-4D0B-A5EF-3B6A83B2098C}" dt="2025-09-12T13:32:16.280" v="91" actId="20577"/>
+          <ac:spMkLst>
+            <pc:docMk/>
+            <pc:sldMk cId="34691784" sldId="270"/>
+            <ac:spMk id="2" creationId="{795F20E3-890A-CAC6-8D39-CCB6AFC0E435}"/>
+          </ac:spMkLst>
+        </pc:spChg>
+      </pc:sldChg>
+      <pc:sldChg chg="del">
+        <pc:chgData name="Kolesnikov, Alexei" userId="361f1071-a049-4a5a-83ac-2675c6b72e82" providerId="ADAL" clId="{F890DF0E-12D3-4D0B-A5EF-3B6A83B2098C}" dt="2025-09-12T13:31:55.604" v="76" actId="47"/>
+        <pc:sldMkLst>
+          <pc:docMk/>
+          <pc:sldMk cId="2185673150" sldId="271"/>
+        </pc:sldMkLst>
+      </pc:sldChg>
+      <pc:sldChg chg="modSp add mod modNotesTx">
+        <pc:chgData name="Kolesnikov, Alexei" userId="361f1071-a049-4a5a-83ac-2675c6b72e82" providerId="ADAL" clId="{F890DF0E-12D3-4D0B-A5EF-3B6A83B2098C}" dt="2025-09-12T14:17:20.366" v="400" actId="6549"/>
+        <pc:sldMkLst>
+          <pc:docMk/>
+          <pc:sldMk cId="2218311186" sldId="271"/>
+        </pc:sldMkLst>
+      </pc:sldChg>
+      <pc:sldChg chg="modSp add mod modNotesTx">
+        <pc:chgData name="Kolesnikov, Alexei" userId="361f1071-a049-4a5a-83ac-2675c6b72e82" providerId="ADAL" clId="{F890DF0E-12D3-4D0B-A5EF-3B6A83B2098C}" dt="2025-09-12T14:17:30.093" v="403" actId="6549"/>
+        <pc:sldMkLst>
+          <pc:docMk/>
+          <pc:sldMk cId="964477455" sldId="272"/>
+        </pc:sldMkLst>
+      </pc:sldChg>
+      <pc:sldChg chg="del">
+        <pc:chgData name="Kolesnikov, Alexei" userId="361f1071-a049-4a5a-83ac-2675c6b72e82" providerId="ADAL" clId="{F890DF0E-12D3-4D0B-A5EF-3B6A83B2098C}" dt="2025-09-12T13:31:58.591" v="80" actId="47"/>
+        <pc:sldMkLst>
+          <pc:docMk/>
+          <pc:sldMk cId="2624117447" sldId="272"/>
+        </pc:sldMkLst>
+      </pc:sldChg>
+      <pc:sldChg chg="del">
+        <pc:chgData name="Kolesnikov, Alexei" userId="361f1071-a049-4a5a-83ac-2675c6b72e82" providerId="ADAL" clId="{F890DF0E-12D3-4D0B-A5EF-3B6A83B2098C}" dt="2025-09-12T13:31:57.861" v="79" actId="47"/>
+        <pc:sldMkLst>
+          <pc:docMk/>
+          <pc:sldMk cId="929208988" sldId="273"/>
+        </pc:sldMkLst>
+      </pc:sldChg>
+      <pc:sldChg chg="modSp add mod modNotesTx">
+        <pc:chgData name="Kolesnikov, Alexei" userId="361f1071-a049-4a5a-83ac-2675c6b72e82" providerId="ADAL" clId="{F890DF0E-12D3-4D0B-A5EF-3B6A83B2098C}" dt="2025-09-12T14:17:24.989" v="401" actId="6549"/>
+        <pc:sldMkLst>
+          <pc:docMk/>
+          <pc:sldMk cId="2377441324" sldId="273"/>
+        </pc:sldMkLst>
+      </pc:sldChg>
+      <pc:sldChg chg="modSp add mod">
+        <pc:chgData name="Kolesnikov, Alexei" userId="361f1071-a049-4a5a-83ac-2675c6b72e82" providerId="ADAL" clId="{F890DF0E-12D3-4D0B-A5EF-3B6A83B2098C}" dt="2025-09-12T13:40:57.949" v="396" actId="5793"/>
+        <pc:sldMkLst>
+          <pc:docMk/>
+          <pc:sldMk cId="2201119106" sldId="274"/>
+        </pc:sldMkLst>
+      </pc:sldChg>
+      <pc:sldChg chg="modSp add mod modNotesTx">
+        <pc:chgData name="Kolesnikov, Alexei" userId="361f1071-a049-4a5a-83ac-2675c6b72e82" providerId="ADAL" clId="{F890DF0E-12D3-4D0B-A5EF-3B6A83B2098C}" dt="2025-09-12T14:17:38.798" v="404" actId="6549"/>
+        <pc:sldMkLst>
+          <pc:docMk/>
+          <pc:sldMk cId="367520305" sldId="275"/>
+        </pc:sldMkLst>
+      </pc:sldChg>
+      <pc:sldChg chg="modSp add mod">
+        <pc:chgData name="Kolesnikov, Alexei" userId="361f1071-a049-4a5a-83ac-2675c6b72e82" providerId="ADAL" clId="{F890DF0E-12D3-4D0B-A5EF-3B6A83B2098C}" dt="2025-09-12T13:39:31.048" v="364" actId="20577"/>
+        <pc:sldMkLst>
+          <pc:docMk/>
+          <pc:sldMk cId="1839413529" sldId="276"/>
+        </pc:sldMkLst>
+      </pc:sldChg>
+      <pc:sldChg chg="modSp add mod">
+        <pc:chgData name="Kolesnikov, Alexei" userId="361f1071-a049-4a5a-83ac-2675c6b72e82" providerId="ADAL" clId="{F890DF0E-12D3-4D0B-A5EF-3B6A83B2098C}" dt="2025-09-12T13:40:18.730" v="390" actId="20577"/>
+        <pc:sldMkLst>
+          <pc:docMk/>
+          <pc:sldMk cId="2762238456" sldId="277"/>
+        </pc:sldMkLst>
+      </pc:sldChg>
+      <pc:sldChg chg="modSp add mod">
+        <pc:chgData name="Kolesnikov, Alexei" userId="361f1071-a049-4a5a-83ac-2675c6b72e82" providerId="ADAL" clId="{F890DF0E-12D3-4D0B-A5EF-3B6A83B2098C}" dt="2025-09-12T13:40:27.739" v="391" actId="6549"/>
+        <pc:sldMkLst>
+          <pc:docMk/>
+          <pc:sldMk cId="1208589489" sldId="278"/>
+        </pc:sldMkLst>
+      </pc:sldChg>
+      <pc:sldChg chg="modSp add mod">
+        <pc:chgData name="Kolesnikov, Alexei" userId="361f1071-a049-4a5a-83ac-2675c6b72e82" providerId="ADAL" clId="{F890DF0E-12D3-4D0B-A5EF-3B6A83B2098C}" dt="2025-09-12T13:40:30.987" v="392" actId="20577"/>
+        <pc:sldMkLst>
+          <pc:docMk/>
+          <pc:sldMk cId="1470031759" sldId="279"/>
+        </pc:sldMkLst>
+      </pc:sldChg>
+      <pc:sldChg chg="modSp add mod">
+        <pc:chgData name="Kolesnikov, Alexei" userId="361f1071-a049-4a5a-83ac-2675c6b72e82" providerId="ADAL" clId="{F890DF0E-12D3-4D0B-A5EF-3B6A83B2098C}" dt="2025-09-12T13:41:21.100" v="398" actId="6549"/>
+        <pc:sldMkLst>
+          <pc:docMk/>
+          <pc:sldMk cId="1151890449" sldId="280"/>
+        </pc:sldMkLst>
+      </pc:sldChg>
+      <pc:sldChg chg="modSp add mod">
+        <pc:chgData name="Kolesnikov, Alexei" userId="361f1071-a049-4a5a-83ac-2675c6b72e82" providerId="ADAL" clId="{F890DF0E-12D3-4D0B-A5EF-3B6A83B2098C}" dt="2025-09-12T14:36:30.189" v="893" actId="20577"/>
+        <pc:sldMkLst>
+          <pc:docMk/>
+          <pc:sldMk cId="2013434112" sldId="292"/>
+        </pc:sldMkLst>
+      </pc:sldChg>
+    </pc:docChg>
+  </pc:docChgLst>
+  <pc:docChgLst>
     <pc:chgData name="Hübler, Romy" userId="S::rhuebler@towson.edu::9c2c3b12-3b34-4c3b-9635-e0bfb62e8096" providerId="AD" clId="Web-{35014B83-7343-5468-8B83-72AC9FEB397D}"/>
     <pc:docChg chg="addSld modSld">
       <pc:chgData name="Hübler, Romy" userId="S::rhuebler@towson.edu::9c2c3b12-3b34-4c3b-9635-e0bfb62e8096" providerId="AD" clId="Web-{35014B83-7343-5468-8B83-72AC9FEB397D}" dt="2023-10-02T13:36:32.703" v="846" actId="20577"/>
@@ -542,6 +742,50 @@
         <pc:sldMkLst>
           <pc:docMk/>
           <pc:sldMk cId="2624117447" sldId="272"/>
+        </pc:sldMkLst>
+      </pc:sldChg>
+    </pc:docChg>
+  </pc:docChgLst>
+  <pc:docChgLst>
+    <pc:chgData name="Hübler, Romy" userId="S::rhuebler@towson.edu::9c2c3b12-3b34-4c3b-9635-e0bfb62e8096" providerId="AD" clId="Web-{37415DCA-96C7-1791-9AD5-88863A5380E5}"/>
+    <pc:docChg chg="modSld">
+      <pc:chgData name="Hübler, Romy" userId="S::rhuebler@towson.edu::9c2c3b12-3b34-4c3b-9635-e0bfb62e8096" providerId="AD" clId="Web-{37415DCA-96C7-1791-9AD5-88863A5380E5}" dt="2023-10-06T12:59:32.184" v="3053" actId="20577"/>
+      <pc:docMkLst>
+        <pc:docMk/>
+      </pc:docMkLst>
+      <pc:sldChg chg="modSp modNotes">
+        <pc:chgData name="Hübler, Romy" userId="S::rhuebler@towson.edu::9c2c3b12-3b34-4c3b-9635-e0bfb62e8096" providerId="AD" clId="Web-{37415DCA-96C7-1791-9AD5-88863A5380E5}" dt="2023-10-06T11:58:02.584" v="268"/>
+        <pc:sldMkLst>
+          <pc:docMk/>
+          <pc:sldMk cId="3534015181" sldId="263"/>
+        </pc:sldMkLst>
+      </pc:sldChg>
+      <pc:sldChg chg="modSp modNotes">
+        <pc:chgData name="Hübler, Romy" userId="S::rhuebler@towson.edu::9c2c3b12-3b34-4c3b-9635-e0bfb62e8096" providerId="AD" clId="Web-{37415DCA-96C7-1791-9AD5-88863A5380E5}" dt="2023-10-06T12:18:42.206" v="978"/>
+        <pc:sldMkLst>
+          <pc:docMk/>
+          <pc:sldMk cId="2707141287" sldId="265"/>
+        </pc:sldMkLst>
+      </pc:sldChg>
+      <pc:sldChg chg="modSp modNotes">
+        <pc:chgData name="Hübler, Romy" userId="S::rhuebler@towson.edu::9c2c3b12-3b34-4c3b-9635-e0bfb62e8096" providerId="AD" clId="Web-{37415DCA-96C7-1791-9AD5-88863A5380E5}" dt="2023-10-06T12:55:39.511" v="2881" actId="20577"/>
+        <pc:sldMkLst>
+          <pc:docMk/>
+          <pc:sldMk cId="3244309852" sldId="266"/>
+        </pc:sldMkLst>
+      </pc:sldChg>
+      <pc:sldChg chg="modSp modNotes">
+        <pc:chgData name="Hübler, Romy" userId="S::rhuebler@towson.edu::9c2c3b12-3b34-4c3b-9635-e0bfb62e8096" providerId="AD" clId="Web-{37415DCA-96C7-1791-9AD5-88863A5380E5}" dt="2023-10-06T12:03:59.704" v="574"/>
+        <pc:sldMkLst>
+          <pc:docMk/>
+          <pc:sldMk cId="2185673150" sldId="271"/>
+        </pc:sldMkLst>
+      </pc:sldChg>
+      <pc:sldChg chg="addSp modSp modNotes">
+        <pc:chgData name="Hübler, Romy" userId="S::rhuebler@towson.edu::9c2c3b12-3b34-4c3b-9635-e0bfb62e8096" providerId="AD" clId="Web-{37415DCA-96C7-1791-9AD5-88863A5380E5}" dt="2023-10-06T12:59:32.184" v="3053" actId="20577"/>
+        <pc:sldMkLst>
+          <pc:docMk/>
+          <pc:sldMk cId="929208988" sldId="273"/>
         </pc:sldMkLst>
       </pc:sldChg>
     </pc:docChg>
@@ -614,6 +858,59 @@
             <ac:picMk id="5" creationId="{92204B46-6C61-E804-034E-269CCEDCC70A}"/>
           </ac:picMkLst>
         </pc:picChg>
+      </pc:sldChg>
+    </pc:docChg>
+  </pc:docChgLst>
+  <pc:docChgLst>
+    <pc:chgData name="Hübler, Romy" userId="S::rhuebler@towson.edu::9c2c3b12-3b34-4c3b-9635-e0bfb62e8096" providerId="AD" clId="Web-{DFE8F112-E89F-4348-97F3-816F7B1E0980}"/>
+    <pc:docChg chg="modSld">
+      <pc:chgData name="Hübler, Romy" userId="S::rhuebler@towson.edu::9c2c3b12-3b34-4c3b-9635-e0bfb62e8096" providerId="AD" clId="Web-{DFE8F112-E89F-4348-97F3-816F7B1E0980}" dt="2023-10-14T11:27:37.693" v="368" actId="20577"/>
+      <pc:docMkLst>
+        <pc:docMk/>
+      </pc:docMkLst>
+      <pc:sldChg chg="addSp delSp modSp">
+        <pc:chgData name="Hübler, Romy" userId="S::rhuebler@towson.edu::9c2c3b12-3b34-4c3b-9635-e0bfb62e8096" providerId="AD" clId="Web-{DFE8F112-E89F-4348-97F3-816F7B1E0980}" dt="2023-10-14T11:23:31.545" v="174" actId="20577"/>
+        <pc:sldMkLst>
+          <pc:docMk/>
+          <pc:sldMk cId="3534015181" sldId="263"/>
+        </pc:sldMkLst>
+      </pc:sldChg>
+      <pc:sldChg chg="modSp">
+        <pc:chgData name="Hübler, Romy" userId="S::rhuebler@towson.edu::9c2c3b12-3b34-4c3b-9635-e0bfb62e8096" providerId="AD" clId="Web-{DFE8F112-E89F-4348-97F3-816F7B1E0980}" dt="2023-10-14T11:26:45.238" v="358" actId="20577"/>
+        <pc:sldMkLst>
+          <pc:docMk/>
+          <pc:sldMk cId="2707141287" sldId="265"/>
+        </pc:sldMkLst>
+      </pc:sldChg>
+      <pc:sldChg chg="modSp">
+        <pc:chgData name="Hübler, Romy" userId="S::rhuebler@towson.edu::9c2c3b12-3b34-4c3b-9635-e0bfb62e8096" providerId="AD" clId="Web-{DFE8F112-E89F-4348-97F3-816F7B1E0980}" dt="2023-10-14T11:27:23.286" v="366" actId="1076"/>
+        <pc:sldMkLst>
+          <pc:docMk/>
+          <pc:sldMk cId="3244309852" sldId="266"/>
+        </pc:sldMkLst>
+      </pc:sldChg>
+      <pc:sldChg chg="modSp">
+        <pc:chgData name="Hübler, Romy" userId="S::rhuebler@towson.edu::9c2c3b12-3b34-4c3b-9635-e0bfb62e8096" providerId="AD" clId="Web-{DFE8F112-E89F-4348-97F3-816F7B1E0980}" dt="2023-10-14T11:27:37.693" v="368" actId="20577"/>
+        <pc:sldMkLst>
+          <pc:docMk/>
+          <pc:sldMk cId="34691784" sldId="270"/>
+        </pc:sldMkLst>
+      </pc:sldChg>
+    </pc:docChg>
+  </pc:docChgLst>
+  <pc:docChgLst>
+    <pc:chgData name="Kolesnikov, Alexei" userId="361f1071-a049-4a5a-83ac-2675c6b72e82" providerId="ADAL" clId="{4086AFFA-25BE-4FDA-9431-973E6EAC73FF}"/>
+    <pc:docChg chg="undo custSel modSld">
+      <pc:chgData name="Kolesnikov, Alexei" userId="361f1071-a049-4a5a-83ac-2675c6b72e82" providerId="ADAL" clId="{4086AFFA-25BE-4FDA-9431-973E6EAC73FF}" dt="2023-10-06T15:51:06.492" v="424" actId="20577"/>
+      <pc:docMkLst>
+        <pc:docMk/>
+      </pc:docMkLst>
+      <pc:sldChg chg="modSp mod">
+        <pc:chgData name="Kolesnikov, Alexei" userId="361f1071-a049-4a5a-83ac-2675c6b72e82" providerId="ADAL" clId="{4086AFFA-25BE-4FDA-9431-973E6EAC73FF}" dt="2023-10-06T15:51:06.492" v="424" actId="20577"/>
+        <pc:sldMkLst>
+          <pc:docMk/>
+          <pc:sldMk cId="929208988" sldId="273"/>
+        </pc:sldMkLst>
       </pc:sldChg>
     </pc:docChg>
   </pc:docChgLst>
@@ -694,101 +991,6 @@
         <pc:sldMkLst>
           <pc:docMk/>
           <pc:sldMk cId="2185673150" sldId="271"/>
-        </pc:sldMkLst>
-      </pc:sldChg>
-    </pc:docChg>
-  </pc:docChgLst>
-  <pc:docChgLst>
-    <pc:chgData name="Kolesnikov, Alexei" userId="361f1071-a049-4a5a-83ac-2675c6b72e82" providerId="ADAL" clId="{60767DA9-EF7B-40E3-BF88-1561865C9C6D}"/>
-    <pc:docChg chg="addSld modSld">
-      <pc:chgData name="Kolesnikov, Alexei" userId="361f1071-a049-4a5a-83ac-2675c6b72e82" providerId="ADAL" clId="{60767DA9-EF7B-40E3-BF88-1561865C9C6D}" dt="2023-10-04T14:16:37.308" v="516" actId="20577"/>
-      <pc:docMkLst>
-        <pc:docMk/>
-      </pc:docMkLst>
-      <pc:sldChg chg="modSp mod">
-        <pc:chgData name="Kolesnikov, Alexei" userId="361f1071-a049-4a5a-83ac-2675c6b72e82" providerId="ADAL" clId="{60767DA9-EF7B-40E3-BF88-1561865C9C6D}" dt="2023-10-04T13:39:52.340" v="204" actId="20577"/>
-        <pc:sldMkLst>
-          <pc:docMk/>
-          <pc:sldMk cId="3624296865" sldId="258"/>
-        </pc:sldMkLst>
-      </pc:sldChg>
-      <pc:sldChg chg="modSp mod">
-        <pc:chgData name="Kolesnikov, Alexei" userId="361f1071-a049-4a5a-83ac-2675c6b72e82" providerId="ADAL" clId="{60767DA9-EF7B-40E3-BF88-1561865C9C6D}" dt="2023-10-04T13:40:05.732" v="205" actId="20577"/>
-        <pc:sldMkLst>
-          <pc:docMk/>
-          <pc:sldMk cId="706286972" sldId="259"/>
-        </pc:sldMkLst>
-      </pc:sldChg>
-      <pc:sldChg chg="modSp mod">
-        <pc:chgData name="Kolesnikov, Alexei" userId="361f1071-a049-4a5a-83ac-2675c6b72e82" providerId="ADAL" clId="{60767DA9-EF7B-40E3-BF88-1561865C9C6D}" dt="2023-10-04T14:16:37.308" v="516" actId="20577"/>
-        <pc:sldMkLst>
-          <pc:docMk/>
-          <pc:sldMk cId="1015678499" sldId="260"/>
-        </pc:sldMkLst>
-      </pc:sldChg>
-      <pc:sldChg chg="modSp mod">
-        <pc:chgData name="Kolesnikov, Alexei" userId="361f1071-a049-4a5a-83ac-2675c6b72e82" providerId="ADAL" clId="{60767DA9-EF7B-40E3-BF88-1561865C9C6D}" dt="2023-10-04T13:35:28.803" v="203" actId="20577"/>
-        <pc:sldMkLst>
-          <pc:docMk/>
-          <pc:sldMk cId="3534015181" sldId="263"/>
-        </pc:sldMkLst>
-      </pc:sldChg>
-      <pc:sldChg chg="modSp mod">
-        <pc:chgData name="Kolesnikov, Alexei" userId="361f1071-a049-4a5a-83ac-2675c6b72e82" providerId="ADAL" clId="{60767DA9-EF7B-40E3-BF88-1561865C9C6D}" dt="2023-10-02T13:17:57.790" v="52" actId="108"/>
-        <pc:sldMkLst>
-          <pc:docMk/>
-          <pc:sldMk cId="3244309852" sldId="266"/>
-        </pc:sldMkLst>
-      </pc:sldChg>
-      <pc:sldChg chg="modSp mod">
-        <pc:chgData name="Kolesnikov, Alexei" userId="361f1071-a049-4a5a-83ac-2675c6b72e82" providerId="ADAL" clId="{60767DA9-EF7B-40E3-BF88-1561865C9C6D}" dt="2023-10-04T13:35:19.331" v="188" actId="20577"/>
-        <pc:sldMkLst>
-          <pc:docMk/>
-          <pc:sldMk cId="2185673150" sldId="271"/>
-        </pc:sldMkLst>
-      </pc:sldChg>
-      <pc:sldChg chg="add modNotesTx">
-        <pc:chgData name="Kolesnikov, Alexei" userId="361f1071-a049-4a5a-83ac-2675c6b72e82" providerId="ADAL" clId="{60767DA9-EF7B-40E3-BF88-1561865C9C6D}" dt="2023-10-02T13:48:31.210" v="155" actId="20577"/>
-        <pc:sldMkLst>
-          <pc:docMk/>
-          <pc:sldMk cId="929208988" sldId="273"/>
-        </pc:sldMkLst>
-      </pc:sldChg>
-    </pc:docChg>
-  </pc:docChgLst>
-  <pc:docChgLst>
-    <pc:chgData name="Hübler, Romy" userId="S::rhuebler@towson.edu::9c2c3b12-3b34-4c3b-9635-e0bfb62e8096" providerId="AD" clId="Web-{DFE8F112-E89F-4348-97F3-816F7B1E0980}"/>
-    <pc:docChg chg="modSld">
-      <pc:chgData name="Hübler, Romy" userId="S::rhuebler@towson.edu::9c2c3b12-3b34-4c3b-9635-e0bfb62e8096" providerId="AD" clId="Web-{DFE8F112-E89F-4348-97F3-816F7B1E0980}" dt="2023-10-14T11:27:37.693" v="368" actId="20577"/>
-      <pc:docMkLst>
-        <pc:docMk/>
-      </pc:docMkLst>
-      <pc:sldChg chg="addSp delSp modSp">
-        <pc:chgData name="Hübler, Romy" userId="S::rhuebler@towson.edu::9c2c3b12-3b34-4c3b-9635-e0bfb62e8096" providerId="AD" clId="Web-{DFE8F112-E89F-4348-97F3-816F7B1E0980}" dt="2023-10-14T11:23:31.545" v="174" actId="20577"/>
-        <pc:sldMkLst>
-          <pc:docMk/>
-          <pc:sldMk cId="3534015181" sldId="263"/>
-        </pc:sldMkLst>
-      </pc:sldChg>
-      <pc:sldChg chg="modSp">
-        <pc:chgData name="Hübler, Romy" userId="S::rhuebler@towson.edu::9c2c3b12-3b34-4c3b-9635-e0bfb62e8096" providerId="AD" clId="Web-{DFE8F112-E89F-4348-97F3-816F7B1E0980}" dt="2023-10-14T11:26:45.238" v="358" actId="20577"/>
-        <pc:sldMkLst>
-          <pc:docMk/>
-          <pc:sldMk cId="2707141287" sldId="265"/>
-        </pc:sldMkLst>
-      </pc:sldChg>
-      <pc:sldChg chg="modSp">
-        <pc:chgData name="Hübler, Romy" userId="S::rhuebler@towson.edu::9c2c3b12-3b34-4c3b-9635-e0bfb62e8096" providerId="AD" clId="Web-{DFE8F112-E89F-4348-97F3-816F7B1E0980}" dt="2023-10-14T11:27:23.286" v="366" actId="1076"/>
-        <pc:sldMkLst>
-          <pc:docMk/>
-          <pc:sldMk cId="3244309852" sldId="266"/>
-        </pc:sldMkLst>
-      </pc:sldChg>
-      <pc:sldChg chg="modSp">
-        <pc:chgData name="Hübler, Romy" userId="S::rhuebler@towson.edu::9c2c3b12-3b34-4c3b-9635-e0bfb62e8096" providerId="AD" clId="Web-{DFE8F112-E89F-4348-97F3-816F7B1E0980}" dt="2023-10-14T11:27:37.693" v="368" actId="20577"/>
-        <pc:sldMkLst>
-          <pc:docMk/>
-          <pc:sldMk cId="34691784" sldId="270"/>
         </pc:sldMkLst>
       </pc:sldChg>
     </pc:docChg>
@@ -1393,207 +1595,6 @@
       </pc:sldChg>
     </pc:docChg>
   </pc:docChgLst>
-  <pc:docChgLst>
-    <pc:chgData name="Kolesnikov, Alexei" userId="361f1071-a049-4a5a-83ac-2675c6b72e82" providerId="ADAL" clId="{F890DF0E-12D3-4D0B-A5EF-3B6A83B2098C}"/>
-    <pc:docChg chg="custSel addSld delSld modSld">
-      <pc:chgData name="Kolesnikov, Alexei" userId="361f1071-a049-4a5a-83ac-2675c6b72e82" providerId="ADAL" clId="{F890DF0E-12D3-4D0B-A5EF-3B6A83B2098C}" dt="2025-09-12T14:37:07.790" v="901" actId="20577"/>
-      <pc:docMkLst>
-        <pc:docMk/>
-      </pc:docMkLst>
-      <pc:sldChg chg="modSp mod">
-        <pc:chgData name="Kolesnikov, Alexei" userId="361f1071-a049-4a5a-83ac-2675c6b72e82" providerId="ADAL" clId="{F890DF0E-12D3-4D0B-A5EF-3B6A83B2098C}" dt="2025-09-12T13:29:41.960" v="67" actId="14100"/>
-        <pc:sldMkLst>
-          <pc:docMk/>
-          <pc:sldMk cId="1650962456" sldId="256"/>
-        </pc:sldMkLst>
-        <pc:spChg chg="mod">
-          <ac:chgData name="Kolesnikov, Alexei" userId="361f1071-a049-4a5a-83ac-2675c6b72e82" providerId="ADAL" clId="{F890DF0E-12D3-4D0B-A5EF-3B6A83B2098C}" dt="2025-09-12T13:29:41.960" v="67" actId="14100"/>
-          <ac:spMkLst>
-            <pc:docMk/>
-            <pc:sldMk cId="1650962456" sldId="256"/>
-            <ac:spMk id="2" creationId="{62C4E5DC-F785-3C44-8D74-72C83B9903DC}"/>
-          </ac:spMkLst>
-        </pc:spChg>
-        <pc:spChg chg="mod">
-          <ac:chgData name="Kolesnikov, Alexei" userId="361f1071-a049-4a5a-83ac-2675c6b72e82" providerId="ADAL" clId="{F890DF0E-12D3-4D0B-A5EF-3B6A83B2098C}" dt="2025-09-12T13:29:09.408" v="64" actId="1076"/>
-          <ac:spMkLst>
-            <pc:docMk/>
-            <pc:sldMk cId="1650962456" sldId="256"/>
-            <ac:spMk id="3" creationId="{1103FB4D-68CC-6D49-9F8F-3A82CADE9490}"/>
-          </ac:spMkLst>
-        </pc:spChg>
-      </pc:sldChg>
-      <pc:sldChg chg="modSp mod modNotesTx">
-        <pc:chgData name="Kolesnikov, Alexei" userId="361f1071-a049-4a5a-83ac-2675c6b72e82" providerId="ADAL" clId="{F890DF0E-12D3-4D0B-A5EF-3B6A83B2098C}" dt="2025-09-12T14:18:16.623" v="408" actId="20577"/>
-        <pc:sldMkLst>
-          <pc:docMk/>
-          <pc:sldMk cId="222924787" sldId="257"/>
-        </pc:sldMkLst>
-      </pc:sldChg>
-      <pc:sldChg chg="modSp mod">
-        <pc:chgData name="Kolesnikov, Alexei" userId="361f1071-a049-4a5a-83ac-2675c6b72e82" providerId="ADAL" clId="{F890DF0E-12D3-4D0B-A5EF-3B6A83B2098C}" dt="2025-09-12T14:37:07.790" v="901" actId="20577"/>
-        <pc:sldMkLst>
-          <pc:docMk/>
-          <pc:sldMk cId="3624296865" sldId="258"/>
-        </pc:sldMkLst>
-      </pc:sldChg>
-      <pc:sldChg chg="modSp mod modNotesTx">
-        <pc:chgData name="Kolesnikov, Alexei" userId="361f1071-a049-4a5a-83ac-2675c6b72e82" providerId="ADAL" clId="{F890DF0E-12D3-4D0B-A5EF-3B6A83B2098C}" dt="2025-09-12T14:27:36.524" v="662" actId="255"/>
-        <pc:sldMkLst>
-          <pc:docMk/>
-          <pc:sldMk cId="706286972" sldId="259"/>
-        </pc:sldMkLst>
-      </pc:sldChg>
-      <pc:sldChg chg="del">
-        <pc:chgData name="Kolesnikov, Alexei" userId="361f1071-a049-4a5a-83ac-2675c6b72e82" providerId="ADAL" clId="{F890DF0E-12D3-4D0B-A5EF-3B6A83B2098C}" dt="2025-09-12T13:31:51.680" v="73" actId="47"/>
-        <pc:sldMkLst>
-          <pc:docMk/>
-          <pc:sldMk cId="1015678499" sldId="260"/>
-        </pc:sldMkLst>
-      </pc:sldChg>
-      <pc:sldChg chg="del">
-        <pc:chgData name="Kolesnikov, Alexei" userId="361f1071-a049-4a5a-83ac-2675c6b72e82" providerId="ADAL" clId="{F890DF0E-12D3-4D0B-A5EF-3B6A83B2098C}" dt="2025-09-12T13:31:53.089" v="74" actId="47"/>
-        <pc:sldMkLst>
-          <pc:docMk/>
-          <pc:sldMk cId="1198226304" sldId="262"/>
-        </pc:sldMkLst>
-      </pc:sldChg>
-      <pc:sldChg chg="del">
-        <pc:chgData name="Kolesnikov, Alexei" userId="361f1071-a049-4a5a-83ac-2675c6b72e82" providerId="ADAL" clId="{F890DF0E-12D3-4D0B-A5EF-3B6A83B2098C}" dt="2025-09-12T13:31:54.256" v="75" actId="47"/>
-        <pc:sldMkLst>
-          <pc:docMk/>
-          <pc:sldMk cId="3534015181" sldId="263"/>
-        </pc:sldMkLst>
-      </pc:sldChg>
-      <pc:sldChg chg="del">
-        <pc:chgData name="Kolesnikov, Alexei" userId="361f1071-a049-4a5a-83ac-2675c6b72e82" providerId="ADAL" clId="{F890DF0E-12D3-4D0B-A5EF-3B6A83B2098C}" dt="2025-09-12T13:31:56.416" v="77" actId="47"/>
-        <pc:sldMkLst>
-          <pc:docMk/>
-          <pc:sldMk cId="2707141287" sldId="265"/>
-        </pc:sldMkLst>
-      </pc:sldChg>
-      <pc:sldChg chg="del">
-        <pc:chgData name="Kolesnikov, Alexei" userId="361f1071-a049-4a5a-83ac-2675c6b72e82" providerId="ADAL" clId="{F890DF0E-12D3-4D0B-A5EF-3B6A83B2098C}" dt="2025-09-12T13:31:57.169" v="78" actId="47"/>
-        <pc:sldMkLst>
-          <pc:docMk/>
-          <pc:sldMk cId="3244309852" sldId="266"/>
-        </pc:sldMkLst>
-      </pc:sldChg>
-      <pc:sldChg chg="modSp mod">
-        <pc:chgData name="Kolesnikov, Alexei" userId="361f1071-a049-4a5a-83ac-2675c6b72e82" providerId="ADAL" clId="{F890DF0E-12D3-4D0B-A5EF-3B6A83B2098C}" dt="2025-09-12T13:32:20.616" v="93" actId="20577"/>
-        <pc:sldMkLst>
-          <pc:docMk/>
-          <pc:sldMk cId="34691784" sldId="270"/>
-        </pc:sldMkLst>
-        <pc:spChg chg="mod">
-          <ac:chgData name="Kolesnikov, Alexei" userId="361f1071-a049-4a5a-83ac-2675c6b72e82" providerId="ADAL" clId="{F890DF0E-12D3-4D0B-A5EF-3B6A83B2098C}" dt="2025-09-12T13:32:16.280" v="91" actId="20577"/>
-          <ac:spMkLst>
-            <pc:docMk/>
-            <pc:sldMk cId="34691784" sldId="270"/>
-            <ac:spMk id="2" creationId="{795F20E3-890A-CAC6-8D39-CCB6AFC0E435}"/>
-          </ac:spMkLst>
-        </pc:spChg>
-      </pc:sldChg>
-      <pc:sldChg chg="del">
-        <pc:chgData name="Kolesnikov, Alexei" userId="361f1071-a049-4a5a-83ac-2675c6b72e82" providerId="ADAL" clId="{F890DF0E-12D3-4D0B-A5EF-3B6A83B2098C}" dt="2025-09-12T13:31:55.604" v="76" actId="47"/>
-        <pc:sldMkLst>
-          <pc:docMk/>
-          <pc:sldMk cId="2185673150" sldId="271"/>
-        </pc:sldMkLst>
-      </pc:sldChg>
-      <pc:sldChg chg="modSp add mod modNotesTx">
-        <pc:chgData name="Kolesnikov, Alexei" userId="361f1071-a049-4a5a-83ac-2675c6b72e82" providerId="ADAL" clId="{F890DF0E-12D3-4D0B-A5EF-3B6A83B2098C}" dt="2025-09-12T14:17:20.366" v="400" actId="6549"/>
-        <pc:sldMkLst>
-          <pc:docMk/>
-          <pc:sldMk cId="2218311186" sldId="271"/>
-        </pc:sldMkLst>
-      </pc:sldChg>
-      <pc:sldChg chg="modSp add mod modNotesTx">
-        <pc:chgData name="Kolesnikov, Alexei" userId="361f1071-a049-4a5a-83ac-2675c6b72e82" providerId="ADAL" clId="{F890DF0E-12D3-4D0B-A5EF-3B6A83B2098C}" dt="2025-09-12T14:17:30.093" v="403" actId="6549"/>
-        <pc:sldMkLst>
-          <pc:docMk/>
-          <pc:sldMk cId="964477455" sldId="272"/>
-        </pc:sldMkLst>
-      </pc:sldChg>
-      <pc:sldChg chg="del">
-        <pc:chgData name="Kolesnikov, Alexei" userId="361f1071-a049-4a5a-83ac-2675c6b72e82" providerId="ADAL" clId="{F890DF0E-12D3-4D0B-A5EF-3B6A83B2098C}" dt="2025-09-12T13:31:58.591" v="80" actId="47"/>
-        <pc:sldMkLst>
-          <pc:docMk/>
-          <pc:sldMk cId="2624117447" sldId="272"/>
-        </pc:sldMkLst>
-      </pc:sldChg>
-      <pc:sldChg chg="del">
-        <pc:chgData name="Kolesnikov, Alexei" userId="361f1071-a049-4a5a-83ac-2675c6b72e82" providerId="ADAL" clId="{F890DF0E-12D3-4D0B-A5EF-3B6A83B2098C}" dt="2025-09-12T13:31:57.861" v="79" actId="47"/>
-        <pc:sldMkLst>
-          <pc:docMk/>
-          <pc:sldMk cId="929208988" sldId="273"/>
-        </pc:sldMkLst>
-      </pc:sldChg>
-      <pc:sldChg chg="modSp add mod modNotesTx">
-        <pc:chgData name="Kolesnikov, Alexei" userId="361f1071-a049-4a5a-83ac-2675c6b72e82" providerId="ADAL" clId="{F890DF0E-12D3-4D0B-A5EF-3B6A83B2098C}" dt="2025-09-12T14:17:24.989" v="401" actId="6549"/>
-        <pc:sldMkLst>
-          <pc:docMk/>
-          <pc:sldMk cId="2377441324" sldId="273"/>
-        </pc:sldMkLst>
-      </pc:sldChg>
-      <pc:sldChg chg="modSp add mod">
-        <pc:chgData name="Kolesnikov, Alexei" userId="361f1071-a049-4a5a-83ac-2675c6b72e82" providerId="ADAL" clId="{F890DF0E-12D3-4D0B-A5EF-3B6A83B2098C}" dt="2025-09-12T13:40:57.949" v="396" actId="5793"/>
-        <pc:sldMkLst>
-          <pc:docMk/>
-          <pc:sldMk cId="2201119106" sldId="274"/>
-        </pc:sldMkLst>
-      </pc:sldChg>
-      <pc:sldChg chg="modSp add mod modNotesTx">
-        <pc:chgData name="Kolesnikov, Alexei" userId="361f1071-a049-4a5a-83ac-2675c6b72e82" providerId="ADAL" clId="{F890DF0E-12D3-4D0B-A5EF-3B6A83B2098C}" dt="2025-09-12T14:17:38.798" v="404" actId="6549"/>
-        <pc:sldMkLst>
-          <pc:docMk/>
-          <pc:sldMk cId="367520305" sldId="275"/>
-        </pc:sldMkLst>
-      </pc:sldChg>
-      <pc:sldChg chg="modSp add mod">
-        <pc:chgData name="Kolesnikov, Alexei" userId="361f1071-a049-4a5a-83ac-2675c6b72e82" providerId="ADAL" clId="{F890DF0E-12D3-4D0B-A5EF-3B6A83B2098C}" dt="2025-09-12T13:39:31.048" v="364" actId="20577"/>
-        <pc:sldMkLst>
-          <pc:docMk/>
-          <pc:sldMk cId="1839413529" sldId="276"/>
-        </pc:sldMkLst>
-      </pc:sldChg>
-      <pc:sldChg chg="modSp add mod">
-        <pc:chgData name="Kolesnikov, Alexei" userId="361f1071-a049-4a5a-83ac-2675c6b72e82" providerId="ADAL" clId="{F890DF0E-12D3-4D0B-A5EF-3B6A83B2098C}" dt="2025-09-12T13:40:18.730" v="390" actId="20577"/>
-        <pc:sldMkLst>
-          <pc:docMk/>
-          <pc:sldMk cId="2762238456" sldId="277"/>
-        </pc:sldMkLst>
-      </pc:sldChg>
-      <pc:sldChg chg="modSp add mod">
-        <pc:chgData name="Kolesnikov, Alexei" userId="361f1071-a049-4a5a-83ac-2675c6b72e82" providerId="ADAL" clId="{F890DF0E-12D3-4D0B-A5EF-3B6A83B2098C}" dt="2025-09-12T13:40:27.739" v="391" actId="6549"/>
-        <pc:sldMkLst>
-          <pc:docMk/>
-          <pc:sldMk cId="1208589489" sldId="278"/>
-        </pc:sldMkLst>
-      </pc:sldChg>
-      <pc:sldChg chg="modSp add mod">
-        <pc:chgData name="Kolesnikov, Alexei" userId="361f1071-a049-4a5a-83ac-2675c6b72e82" providerId="ADAL" clId="{F890DF0E-12D3-4D0B-A5EF-3B6A83B2098C}" dt="2025-09-12T13:40:30.987" v="392" actId="20577"/>
-        <pc:sldMkLst>
-          <pc:docMk/>
-          <pc:sldMk cId="1470031759" sldId="279"/>
-        </pc:sldMkLst>
-      </pc:sldChg>
-      <pc:sldChg chg="modSp add mod">
-        <pc:chgData name="Kolesnikov, Alexei" userId="361f1071-a049-4a5a-83ac-2675c6b72e82" providerId="ADAL" clId="{F890DF0E-12D3-4D0B-A5EF-3B6A83B2098C}" dt="2025-09-12T13:41:21.100" v="398" actId="6549"/>
-        <pc:sldMkLst>
-          <pc:docMk/>
-          <pc:sldMk cId="1151890449" sldId="280"/>
-        </pc:sldMkLst>
-      </pc:sldChg>
-      <pc:sldChg chg="modSp add mod">
-        <pc:chgData name="Kolesnikov, Alexei" userId="361f1071-a049-4a5a-83ac-2675c6b72e82" providerId="ADAL" clId="{F890DF0E-12D3-4D0B-A5EF-3B6A83B2098C}" dt="2025-09-12T14:36:30.189" v="893" actId="20577"/>
-        <pc:sldMkLst>
-          <pc:docMk/>
-          <pc:sldMk cId="2013434112" sldId="292"/>
-        </pc:sldMkLst>
-      </pc:sldChg>
-    </pc:docChg>
-  </pc:docChgLst>
 </pc:chgInfo>
 </file>
 
@@ -1678,7 +1679,7 @@
           </a:lstStyle>
           <a:p>
             <a:fld id="{EB5A6812-18BC-47A1-BE37-DB9E68020FF2}" type="datetimeFigureOut">
-              <a:t>9/17/2025</a:t>
+              <a:t>9/19/2025</a:t>
             </a:fld>
             <a:endParaRPr lang="en-US"/>
           </a:p>
@@ -2077,13 +2078,7 @@
           <a:p>
             <a:r>
               <a:rPr lang="en-US"/>
-              <a:t>In summary, clusters 1 and 2 are poorer students, clusters 3 and 5 are wealthy students, and cluster 4 is for missing financial information.</a:t>
-            </a:r>
-          </a:p>
-          <a:p>
-            <a:r>
-              <a:rPr lang="en-US"/>
-              <a:t>The difference within financial categories are by transfer status, gender, and race/ethnicity.</a:t>
+              <a:t>Here, we see similar patterns in unmet need. Clusters 1 and 2 have high unmet need, clusters 3 and 5 have low, and cluster 4 has mostly 0, which represents missing data.</a:t>
             </a:r>
           </a:p>
         </p:txBody>
@@ -2114,7 +2109,7 @@
     </p:spTree>
     <p:extLst>
       <p:ext uri="{BB962C8B-B14F-4D97-AF65-F5344CB8AC3E}">
-        <p14:creationId xmlns:p14="http://schemas.microsoft.com/office/powerpoint/2010/main" val="3227792194"/>
+        <p14:creationId xmlns:p14="http://schemas.microsoft.com/office/powerpoint/2010/main" val="2660465709"/>
       </p:ext>
     </p:extLst>
   </p:cSld>
@@ -2169,20 +2164,15 @@
           <a:lstStyle/>
           <a:p>
             <a:r>
-              <a:rPr lang="en-US">
-                <a:latin typeface="Proxima Nova"/>
-              </a:rPr>
-              <a:t>Clustering is notoriously unstable in general, but our data behaves nicely.</a:t>
-            </a:r>
-          </a:p>
-          <a:p>
-            <a:r>
-              <a:rPr lang="en-US">
-                <a:latin typeface="Proxima Nova"/>
-              </a:rPr>
-              <a:t>Our 4-year and 6-year graduation populations have pretty similar clusters, with only clusters 1 and 2 having significant switches. The financial identities still remain though.</a:t>
-            </a:r>
-            <a:endParaRPr lang="en-US"/>
+              <a:rPr lang="en-US"/>
+              <a:t>In summary, clusters 1 and 2 are poorer students, clusters 3 and 5 are wealthy students, and cluster 4 is for missing financial information.</a:t>
+            </a:r>
+          </a:p>
+          <a:p>
+            <a:r>
+              <a:rPr lang="en-US"/>
+              <a:t>The difference within financial categories are by transfer status, gender, and race/ethnicity.</a:t>
+            </a:r>
           </a:p>
         </p:txBody>
       </p:sp>
@@ -2212,7 +2202,7 @@
     </p:spTree>
     <p:extLst>
       <p:ext uri="{BB962C8B-B14F-4D97-AF65-F5344CB8AC3E}">
-        <p14:creationId xmlns:p14="http://schemas.microsoft.com/office/powerpoint/2010/main" val="3062203640"/>
+        <p14:creationId xmlns:p14="http://schemas.microsoft.com/office/powerpoint/2010/main" val="3227792194"/>
       </p:ext>
     </p:extLst>
   </p:cSld>
@@ -2267,42 +2257,20 @@
           <a:lstStyle/>
           <a:p>
             <a:r>
-              <a:rPr lang="en-US" dirty="0"/>
-              <a:t>We also see that our clusters, as is, perform differently.</a:t>
-            </a:r>
-          </a:p>
-          <a:p>
-            <a:r>
-              <a:rPr lang="en-US" dirty="0"/>
-              <a:t>Cluster 2, of non-transfer poorer students, has the lowest graduation rate at 35%, whereas cluster 4 of unknown financial status has 47% graduation rate, and cluster 5, of female wealthy students, has 53% graduation rate.</a:t>
-            </a:r>
-          </a:p>
-          <a:p>
-            <a:r>
-              <a:rPr lang="en-US" dirty="0"/>
-              <a:t>Importantly, these clusters are on demographic and financial data only. So, the academic differences implies there’s merit to these factors predicting performance</a:t>
-            </a:r>
-          </a:p>
-          <a:p>
-            <a:endParaRPr lang="en-US" dirty="0"/>
-          </a:p>
-          <a:p>
-            <a:r>
-              <a:rPr lang="en-US" dirty="0"/>
-              <a:t>Careful wording – there is an association between lower financial info and lower performance, but not causation or prediction</a:t>
-            </a:r>
-          </a:p>
-          <a:p>
-            <a:r>
-              <a:rPr lang="en-US" dirty="0"/>
-              <a:t>Different performance may mean that institutional support may need to be increased for certain clusters of students</a:t>
-            </a:r>
-          </a:p>
-          <a:p>
-            <a:r>
-              <a:rPr lang="en-US" dirty="0"/>
-              <a:t>[Get more opinions on wording]</a:t>
-            </a:r>
+              <a:rPr lang="en-US">
+                <a:latin typeface="Proxima Nova"/>
+              </a:rPr>
+              <a:t>Clustering is notoriously unstable in general, but our data behaves nicely.</a:t>
+            </a:r>
+          </a:p>
+          <a:p>
+            <a:r>
+              <a:rPr lang="en-US">
+                <a:latin typeface="Proxima Nova"/>
+              </a:rPr>
+              <a:t>Our 4-year and 6-year graduation populations have pretty similar clusters, with only clusters 1 and 2 having significant switches. The financial identities still remain though.</a:t>
+            </a:r>
+            <a:endParaRPr lang="en-US"/>
           </a:p>
         </p:txBody>
       </p:sp>
@@ -2332,7 +2300,7 @@
     </p:spTree>
     <p:extLst>
       <p:ext uri="{BB962C8B-B14F-4D97-AF65-F5344CB8AC3E}">
-        <p14:creationId xmlns:p14="http://schemas.microsoft.com/office/powerpoint/2010/main" val="1423214511"/>
+        <p14:creationId xmlns:p14="http://schemas.microsoft.com/office/powerpoint/2010/main" val="3062203640"/>
       </p:ext>
     </p:extLst>
   </p:cSld>
@@ -2387,14 +2355,35 @@
           <a:lstStyle/>
           <a:p>
             <a:r>
-              <a:rPr lang="en-US"/>
-              <a:t>Speaking of, we now turn to decision trees to further refine what factors influence student success.</a:t>
-            </a:r>
-          </a:p>
-          <a:p>
-            <a:r>
-              <a:rPr lang="en-US"/>
-              <a:t>We choose decision trees because they’re very easy to interpret and give a good look at the shape of the data, and we don’t care about their poor predictive performance for this application.</a:t>
+              <a:rPr lang="en-US" dirty="0"/>
+              <a:t>We also see that our clusters, as is, perform differently.</a:t>
+            </a:r>
+          </a:p>
+          <a:p>
+            <a:r>
+              <a:rPr lang="en-US" dirty="0"/>
+              <a:t>Cluster 2, of non-transfer poorer students, has the lowest graduation rate at 35%, whereas cluster 4 of unknown financial status has 47% graduation rate, and cluster 5, of female wealthy students, has 53% graduation rate.</a:t>
+            </a:r>
+          </a:p>
+          <a:p>
+            <a:r>
+              <a:rPr lang="en-US" dirty="0"/>
+              <a:t>Importantly, these clusters are on demographic and financial data only. So, the academic differences implies there’s merit to these factors predicting performance</a:t>
+            </a:r>
+          </a:p>
+          <a:p>
+            <a:endParaRPr lang="en-US" dirty="0"/>
+          </a:p>
+          <a:p>
+            <a:r>
+              <a:rPr lang="en-US" dirty="0"/>
+              <a:t>Careful wording – there is an association between lower financial info and lower performance, but not causation or prediction</a:t>
+            </a:r>
+          </a:p>
+          <a:p>
+            <a:r>
+              <a:rPr lang="en-US" dirty="0"/>
+              <a:t>Different performance may mean that institutional support may need to be increased for certain clusters of students</a:t>
             </a:r>
           </a:p>
         </p:txBody>
@@ -2425,7 +2414,7 @@
     </p:spTree>
     <p:extLst>
       <p:ext uri="{BB962C8B-B14F-4D97-AF65-F5344CB8AC3E}">
-        <p14:creationId xmlns:p14="http://schemas.microsoft.com/office/powerpoint/2010/main" val="3517339337"/>
+        <p14:creationId xmlns:p14="http://schemas.microsoft.com/office/powerpoint/2010/main" val="1423214511"/>
       </p:ext>
     </p:extLst>
   </p:cSld>
@@ -2479,6 +2468,99 @@
           <a:bodyPr/>
           <a:lstStyle/>
           <a:p>
+            <a:r>
+              <a:rPr lang="en-US"/>
+              <a:t>Speaking of, we now turn to decision trees to further refine what factors influence student success.</a:t>
+            </a:r>
+          </a:p>
+          <a:p>
+            <a:r>
+              <a:rPr lang="en-US"/>
+              <a:t>We choose decision trees because they’re very easy to interpret and give a good look at the shape of the data, and we don’t care about their poor predictive performance for this application.</a:t>
+            </a:r>
+          </a:p>
+        </p:txBody>
+      </p:sp>
+      <p:sp>
+        <p:nvSpPr>
+          <p:cNvPr id="4" name="Slide Number Placeholder 3"/>
+          <p:cNvSpPr>
+            <a:spLocks noGrp="1"/>
+          </p:cNvSpPr>
+          <p:nvPr>
+            <p:ph type="sldNum" sz="quarter" idx="5"/>
+          </p:nvPr>
+        </p:nvSpPr>
+        <p:spPr/>
+        <p:txBody>
+          <a:bodyPr/>
+          <a:lstStyle/>
+          <a:p>
+            <a:fld id="{1BFB27A5-EB77-4974-BC69-38AD4A658B47}" type="slidenum">
+              <a:rPr lang="en-US" smtClean="0"/>
+              <a:t>15</a:t>
+            </a:fld>
+            <a:endParaRPr lang="en-US"/>
+          </a:p>
+        </p:txBody>
+      </p:sp>
+    </p:spTree>
+    <p:extLst>
+      <p:ext uri="{BB962C8B-B14F-4D97-AF65-F5344CB8AC3E}">
+        <p14:creationId xmlns:p14="http://schemas.microsoft.com/office/powerpoint/2010/main" val="3517339337"/>
+      </p:ext>
+    </p:extLst>
+  </p:cSld>
+  <p:clrMapOvr>
+    <a:masterClrMapping/>
+  </p:clrMapOvr>
+</p:notes>
+</file>
+
+<file path=ppt/notesSlides/notesSlide15.xml><?xml version="1.0" encoding="utf-8"?>
+<p:notes xmlns:a="http://schemas.openxmlformats.org/drawingml/2006/main" xmlns:r="http://schemas.openxmlformats.org/officeDocument/2006/relationships" xmlns:p="http://schemas.openxmlformats.org/presentationml/2006/main">
+  <p:cSld>
+    <p:spTree>
+      <p:nvGrpSpPr>
+        <p:cNvPr id="1" name=""/>
+        <p:cNvGrpSpPr/>
+        <p:nvPr/>
+      </p:nvGrpSpPr>
+      <p:grpSpPr>
+        <a:xfrm>
+          <a:off x="0" y="0"/>
+          <a:ext cx="0" cy="0"/>
+          <a:chOff x="0" y="0"/>
+          <a:chExt cx="0" cy="0"/>
+        </a:xfrm>
+      </p:grpSpPr>
+      <p:sp>
+        <p:nvSpPr>
+          <p:cNvPr id="2" name="Slide Image Placeholder 1"/>
+          <p:cNvSpPr>
+            <a:spLocks noGrp="1" noRot="1" noChangeAspect="1"/>
+          </p:cNvSpPr>
+          <p:nvPr>
+            <p:ph type="sldImg"/>
+          </p:nvPr>
+        </p:nvSpPr>
+        <p:spPr/>
+      </p:sp>
+      <p:sp>
+        <p:nvSpPr>
+          <p:cNvPr id="3" name="Notes Placeholder 2"/>
+          <p:cNvSpPr>
+            <a:spLocks noGrp="1"/>
+          </p:cNvSpPr>
+          <p:nvPr>
+            <p:ph type="body" idx="1"/>
+          </p:nvPr>
+        </p:nvSpPr>
+        <p:spPr/>
+        <p:txBody>
+          <a:bodyPr/>
+          <a:lstStyle/>
+          <a:p>
             <a:pPr marL="0" marR="0" lvl="0" indent="0" algn="l" defTabSz="914400" rtl="0" eaLnBrk="1" fontAlgn="auto" latinLnBrk="0" hangingPunct="1">
               <a:lnSpc>
                 <a:spcPct val="100000"/>
@@ -2517,7 +2599,7 @@
           <a:p>
             <a:fld id="{1BFB27A5-EB77-4974-BC69-38AD4A658B47}" type="slidenum">
               <a:rPr lang="en-US" smtClean="0"/>
-              <a:t>15</a:t>
+              <a:t>16</a:t>
             </a:fld>
             <a:endParaRPr lang="en-US"/>
           </a:p>
@@ -2536,7 +2618,7 @@
 </p:notes>
 </file>
 
-<file path=ppt/notesSlides/notesSlide15.xml><?xml version="1.0" encoding="utf-8"?>
+<file path=ppt/notesSlides/notesSlide16.xml><?xml version="1.0" encoding="utf-8"?>
 <p:notes xmlns:a="http://schemas.openxmlformats.org/drawingml/2006/main" xmlns:r="http://schemas.openxmlformats.org/officeDocument/2006/relationships" xmlns:p="http://schemas.openxmlformats.org/presentationml/2006/main">
   <p:cSld>
     <p:spTree>
@@ -2642,7 +2724,7 @@
           <a:p>
             <a:fld id="{1BFB27A5-EB77-4974-BC69-38AD4A658B47}" type="slidenum">
               <a:rPr lang="en-US" smtClean="0"/>
-              <a:t>16</a:t>
+              <a:t>17</a:t>
             </a:fld>
             <a:endParaRPr lang="en-US"/>
           </a:p>
@@ -2661,7 +2743,7 @@
 </p:notes>
 </file>
 
-<file path=ppt/notesSlides/notesSlide16.xml><?xml version="1.0" encoding="utf-8"?>
+<file path=ppt/notesSlides/notesSlide17.xml><?xml version="1.0" encoding="utf-8"?>
 <p:notes xmlns:a="http://schemas.openxmlformats.org/drawingml/2006/main" xmlns:r="http://schemas.openxmlformats.org/officeDocument/2006/relationships" xmlns:p="http://schemas.openxmlformats.org/presentationml/2006/main">
   <p:cSld>
     <p:spTree>
@@ -2767,7 +2849,7 @@
           <a:p>
             <a:fld id="{1BFB27A5-EB77-4974-BC69-38AD4A658B47}" type="slidenum">
               <a:rPr lang="en-US" smtClean="0"/>
-              <a:t>17</a:t>
+              <a:t>18</a:t>
             </a:fld>
             <a:endParaRPr lang="en-US"/>
           </a:p>
@@ -2786,7 +2868,7 @@
 </p:notes>
 </file>
 
-<file path=ppt/notesSlides/notesSlide17.xml><?xml version="1.0" encoding="utf-8"?>
+<file path=ppt/notesSlides/notesSlide18.xml><?xml version="1.0" encoding="utf-8"?>
 <p:notes xmlns:a="http://schemas.openxmlformats.org/drawingml/2006/main" xmlns:r="http://schemas.openxmlformats.org/officeDocument/2006/relationships" xmlns:p="http://schemas.openxmlformats.org/presentationml/2006/main">
   <p:cSld>
     <p:spTree>
@@ -2892,7 +2974,7 @@
           <a:p>
             <a:fld id="{1BFB27A5-EB77-4974-BC69-38AD4A658B47}" type="slidenum">
               <a:rPr lang="en-US" smtClean="0"/>
-              <a:t>18</a:t>
+              <a:t>19</a:t>
             </a:fld>
             <a:endParaRPr lang="en-US"/>
           </a:p>
@@ -2902,99 +2984,6 @@
     <p:extLst>
       <p:ext uri="{BB962C8B-B14F-4D97-AF65-F5344CB8AC3E}">
         <p14:creationId xmlns:p14="http://schemas.microsoft.com/office/powerpoint/2010/main" val="824359774"/>
-      </p:ext>
-    </p:extLst>
-  </p:cSld>
-  <p:clrMapOvr>
-    <a:masterClrMapping/>
-  </p:clrMapOvr>
-</p:notes>
-</file>
-
-<file path=ppt/notesSlides/notesSlide18.xml><?xml version="1.0" encoding="utf-8"?>
-<p:notes xmlns:a="http://schemas.openxmlformats.org/drawingml/2006/main" xmlns:r="http://schemas.openxmlformats.org/officeDocument/2006/relationships" xmlns:p="http://schemas.openxmlformats.org/presentationml/2006/main">
-  <p:cSld>
-    <p:spTree>
-      <p:nvGrpSpPr>
-        <p:cNvPr id="1" name=""/>
-        <p:cNvGrpSpPr/>
-        <p:nvPr/>
-      </p:nvGrpSpPr>
-      <p:grpSpPr>
-        <a:xfrm>
-          <a:off x="0" y="0"/>
-          <a:ext cx="0" cy="0"/>
-          <a:chOff x="0" y="0"/>
-          <a:chExt cx="0" cy="0"/>
-        </a:xfrm>
-      </p:grpSpPr>
-      <p:sp>
-        <p:nvSpPr>
-          <p:cNvPr id="2" name="Slide Image Placeholder 1"/>
-          <p:cNvSpPr>
-            <a:spLocks noGrp="1" noRot="1" noChangeAspect="1"/>
-          </p:cNvSpPr>
-          <p:nvPr>
-            <p:ph type="sldImg"/>
-          </p:nvPr>
-        </p:nvSpPr>
-        <p:spPr/>
-      </p:sp>
-      <p:sp>
-        <p:nvSpPr>
-          <p:cNvPr id="3" name="Notes Placeholder 2"/>
-          <p:cNvSpPr>
-            <a:spLocks noGrp="1"/>
-          </p:cNvSpPr>
-          <p:nvPr>
-            <p:ph type="body" idx="1"/>
-          </p:nvPr>
-        </p:nvSpPr>
-        <p:spPr/>
-        <p:txBody>
-          <a:bodyPr/>
-          <a:lstStyle/>
-          <a:p>
-            <a:r>
-              <a:rPr lang="en-US" dirty="0"/>
-              <a:t>To summarize, every single cluster has at least one split based on unmet need or expected family contribution, except the cluster where financial information is missing.</a:t>
-            </a:r>
-          </a:p>
-          <a:p>
-            <a:r>
-              <a:rPr lang="en-US" dirty="0"/>
-              <a:t>The top splits overall per cluster, as you can see, reflect that. The only non-financial top split is by enrollment type, which makes sense too.</a:t>
-            </a:r>
-          </a:p>
-        </p:txBody>
-      </p:sp>
-      <p:sp>
-        <p:nvSpPr>
-          <p:cNvPr id="4" name="Slide Number Placeholder 3"/>
-          <p:cNvSpPr>
-            <a:spLocks noGrp="1"/>
-          </p:cNvSpPr>
-          <p:nvPr>
-            <p:ph type="sldNum" sz="quarter" idx="5"/>
-          </p:nvPr>
-        </p:nvSpPr>
-        <p:spPr/>
-        <p:txBody>
-          <a:bodyPr/>
-          <a:lstStyle/>
-          <a:p>
-            <a:fld id="{1BFB27A5-EB77-4974-BC69-38AD4A658B47}" type="slidenum">
-              <a:rPr lang="en-US" smtClean="0"/>
-              <a:t>19</a:t>
-            </a:fld>
-            <a:endParaRPr lang="en-US"/>
-          </a:p>
-        </p:txBody>
-      </p:sp>
-    </p:spTree>
-    <p:extLst>
-      <p:ext uri="{BB962C8B-B14F-4D97-AF65-F5344CB8AC3E}">
-        <p14:creationId xmlns:p14="http://schemas.microsoft.com/office/powerpoint/2010/main" val="2259356851"/>
       </p:ext>
     </p:extLst>
   </p:cSld>
@@ -3049,8 +3038,14 @@
           <a:lstStyle/>
           <a:p>
             <a:r>
-              <a:rPr lang="en-US"/>
-              <a:t>For a different method of analysis, we want to analyze scholarship effect directly. To do so, we take S-STEM scholars and match them with all students who are mostly similar, then compare GPA of the scholar to the average GPA of their neighbors.</a:t>
+              <a:rPr lang="en-US" dirty="0"/>
+              <a:t>To summarize, every single cluster has at least one split based on unmet need or expected family contribution, except the cluster where financial information is missing.</a:t>
+            </a:r>
+          </a:p>
+          <a:p>
+            <a:r>
+              <a:rPr lang="en-US" dirty="0"/>
+              <a:t>The top splits overall per cluster, as you can see, reflect that. The only non-financial top split is by enrollment type, which makes sense too.</a:t>
             </a:r>
           </a:p>
         </p:txBody>
@@ -3072,7 +3067,7 @@
           <a:p>
             <a:fld id="{1BFB27A5-EB77-4974-BC69-38AD4A658B47}" type="slidenum">
               <a:rPr lang="en-US" smtClean="0"/>
-              <a:t>21</a:t>
+              <a:t>20</a:t>
             </a:fld>
             <a:endParaRPr lang="en-US"/>
           </a:p>
@@ -3081,7 +3076,7 @@
     </p:spTree>
     <p:extLst>
       <p:ext uri="{BB962C8B-B14F-4D97-AF65-F5344CB8AC3E}">
-        <p14:creationId xmlns:p14="http://schemas.microsoft.com/office/powerpoint/2010/main" val="1064247826"/>
+        <p14:creationId xmlns:p14="http://schemas.microsoft.com/office/powerpoint/2010/main" val="2259356851"/>
       </p:ext>
     </p:extLst>
   </p:cSld>
@@ -3224,40 +3219,7 @@
           <a:p>
             <a:r>
               <a:rPr lang="en-US"/>
-              <a:t>Take a look at this graph on the right.</a:t>
-            </a:r>
-          </a:p>
-          <a:p>
-            <a:r>
-              <a:rPr lang="en-US"/>
-              <a:t>The x-axis represents the ending GPA of an S-STEM scholar, and the y-axis represents the average GPA of their matched neighborhood.</a:t>
-            </a:r>
-          </a:p>
-          <a:p>
-            <a:r>
-              <a:rPr lang="en-US"/>
-              <a:t>You’ll notice a dotted diagonal line of y=x. Points on that line are S-STEM scholars who perform the same as their neighborhood. </a:t>
-            </a:r>
-          </a:p>
-          <a:p>
-            <a:r>
-              <a:rPr lang="en-US"/>
-              <a:t>Points below that line have a higher x value than y value, which means the S-STEM student has a higher GPA than their neighbors.</a:t>
-            </a:r>
-          </a:p>
-          <a:p>
-            <a:endParaRPr lang="en-US"/>
-          </a:p>
-          <a:p>
-            <a:r>
-              <a:rPr lang="en-US"/>
-              <a:t>So, on the right, when we allow matches from all students, we see the S-STEM students performing noticeably better than their neighbors.</a:t>
-            </a:r>
-          </a:p>
-          <a:p>
-            <a:r>
-              <a:rPr lang="en-US"/>
-              <a:t>However, over on the left, when we compare with only eligible students – Pell eligible math majors with a high GPA – the scholars perform about as well their eligible neighbors</a:t>
+              <a:t>For a different method of analysis, we want to analyze scholarship effect directly. To do so, we take S-STEM scholars and match them with all students who are mostly similar, then compare GPA of the scholar to the average GPA of their neighbors.</a:t>
             </a:r>
           </a:p>
         </p:txBody>
@@ -3288,7 +3250,7 @@
     </p:spTree>
     <p:extLst>
       <p:ext uri="{BB962C8B-B14F-4D97-AF65-F5344CB8AC3E}">
-        <p14:creationId xmlns:p14="http://schemas.microsoft.com/office/powerpoint/2010/main" val="97872026"/>
+        <p14:creationId xmlns:p14="http://schemas.microsoft.com/office/powerpoint/2010/main" val="1064247826"/>
       </p:ext>
     </p:extLst>
   </p:cSld>
@@ -3344,19 +3306,40 @@
           <a:p>
             <a:r>
               <a:rPr lang="en-US"/>
-              <a:t>Running t-tests, we confirm those differences.</a:t>
+              <a:t>Take a look at this graph on the right.</a:t>
             </a:r>
           </a:p>
           <a:p>
             <a:r>
               <a:rPr lang="en-US"/>
-              <a:t>So, we can’t say that our scholarship is raising students’ GPAs, but we can say it’s allowing talented students to remain at Towson.</a:t>
+              <a:t>The x-axis represents the ending GPA of an S-STEM scholar, and the y-axis represents the average GPA of their matched neighborhood.</a:t>
             </a:r>
           </a:p>
           <a:p>
             <a:r>
               <a:rPr lang="en-US"/>
-              <a:t>In fact, the high retention rate of our S-STEM scholars is something we want to research further, but haven’t successfully designed a convincing study yet.</a:t>
+              <a:t>You’ll notice a dotted diagonal line of y=x. Points on that line are S-STEM scholars who perform the same as their neighborhood. </a:t>
+            </a:r>
+          </a:p>
+          <a:p>
+            <a:r>
+              <a:rPr lang="en-US"/>
+              <a:t>Points below that line have a higher x value than y value, which means the S-STEM student has a higher GPA than their neighbors.</a:t>
+            </a:r>
+          </a:p>
+          <a:p>
+            <a:endParaRPr lang="en-US"/>
+          </a:p>
+          <a:p>
+            <a:r>
+              <a:rPr lang="en-US"/>
+              <a:t>So, on the right, when we allow matches from all students, we see the S-STEM students performing noticeably better than their neighbors.</a:t>
+            </a:r>
+          </a:p>
+          <a:p>
+            <a:r>
+              <a:rPr lang="en-US"/>
+              <a:t>However, over on the left, when we compare with only eligible students – Pell eligible math majors with a high GPA – the scholars perform about as well their eligible neighbors</a:t>
             </a:r>
           </a:p>
         </p:txBody>
@@ -3387,7 +3370,7 @@
     </p:spTree>
     <p:extLst>
       <p:ext uri="{BB962C8B-B14F-4D97-AF65-F5344CB8AC3E}">
-        <p14:creationId xmlns:p14="http://schemas.microsoft.com/office/powerpoint/2010/main" val="1753090522"/>
+        <p14:creationId xmlns:p14="http://schemas.microsoft.com/office/powerpoint/2010/main" val="97872026"/>
       </p:ext>
     </p:extLst>
   </p:cSld>
@@ -3442,8 +3425,20 @@
           <a:lstStyle/>
           <a:p>
             <a:r>
-              <a:rPr lang="en-US" dirty="0"/>
-              <a:t>Look into and briefly discuss why t-test for means works but t-test for proportions has too low n</a:t>
+              <a:rPr lang="en-US"/>
+              <a:t>Running t-tests, we confirm those differences.</a:t>
+            </a:r>
+          </a:p>
+          <a:p>
+            <a:r>
+              <a:rPr lang="en-US"/>
+              <a:t>So, we can’t say that our scholarship is raising students’ GPAs, but we can say it’s allowing talented students to remain at Towson.</a:t>
+            </a:r>
+          </a:p>
+          <a:p>
+            <a:r>
+              <a:rPr lang="en-US"/>
+              <a:t>In fact, the high retention rate of our S-STEM scholars is something we want to research further, but haven’t successfully designed a convincing study yet.</a:t>
             </a:r>
           </a:p>
         </p:txBody>
@@ -3474,7 +3469,7 @@
     </p:spTree>
     <p:extLst>
       <p:ext uri="{BB962C8B-B14F-4D97-AF65-F5344CB8AC3E}">
-        <p14:creationId xmlns:p14="http://schemas.microsoft.com/office/powerpoint/2010/main" val="2156843103"/>
+        <p14:creationId xmlns:p14="http://schemas.microsoft.com/office/powerpoint/2010/main" val="1753090522"/>
       </p:ext>
     </p:extLst>
   </p:cSld>
@@ -3528,29 +3523,6 @@
           <a:bodyPr/>
           <a:lstStyle/>
           <a:p>
-            <a:pPr marL="0" marR="0" lvl="0" indent="0" algn="l" defTabSz="914400" rtl="0" eaLnBrk="1" fontAlgn="auto" latinLnBrk="0" hangingPunct="1">
-              <a:lnSpc>
-                <a:spcPct val="100000"/>
-              </a:lnSpc>
-              <a:spcBef>
-                <a:spcPts val="0"/>
-              </a:spcBef>
-              <a:spcAft>
-                <a:spcPts val="0"/>
-              </a:spcAft>
-              <a:buClrTx/>
-              <a:buSzTx/>
-              <a:buFontTx/>
-              <a:buNone/>
-              <a:tabLst/>
-              <a:defRPr/>
-            </a:pPr>
-            <a:r>
-              <a:rPr lang="en-US" dirty="0"/>
-              <a:t>The S-STEM scholarship seems to be allowing talented students to remain at Towson and maintain high performance</a:t>
-            </a:r>
-          </a:p>
-          <a:p>
             <a:endParaRPr lang="en-US" dirty="0"/>
           </a:p>
         </p:txBody>
@@ -3581,7 +3553,7 @@
     </p:spTree>
     <p:extLst>
       <p:ext uri="{BB962C8B-B14F-4D97-AF65-F5344CB8AC3E}">
-        <p14:creationId xmlns:p14="http://schemas.microsoft.com/office/powerpoint/2010/main" val="3509914607"/>
+        <p14:creationId xmlns:p14="http://schemas.microsoft.com/office/powerpoint/2010/main" val="2156843103"/>
       </p:ext>
     </p:extLst>
   </p:cSld>
@@ -3635,6 +3607,29 @@
           <a:bodyPr/>
           <a:lstStyle/>
           <a:p>
+            <a:pPr marL="0" marR="0" lvl="0" indent="0" algn="l" defTabSz="914400" rtl="0" eaLnBrk="1" fontAlgn="auto" latinLnBrk="0" hangingPunct="1">
+              <a:lnSpc>
+                <a:spcPct val="100000"/>
+              </a:lnSpc>
+              <a:spcBef>
+                <a:spcPts val="0"/>
+              </a:spcBef>
+              <a:spcAft>
+                <a:spcPts val="0"/>
+              </a:spcAft>
+              <a:buClrTx/>
+              <a:buSzTx/>
+              <a:buFontTx/>
+              <a:buNone/>
+              <a:tabLst/>
+              <a:defRPr/>
+            </a:pPr>
+            <a:r>
+              <a:rPr lang="en-US" dirty="0"/>
+              <a:t>The S-STEM scholarship seems to be allowing talented students to remain at Towson and maintain high performance</a:t>
+            </a:r>
+          </a:p>
+          <a:p>
             <a:endParaRPr lang="en-US" dirty="0"/>
           </a:p>
         </p:txBody>
@@ -3665,7 +3660,7 @@
     </p:spTree>
     <p:extLst>
       <p:ext uri="{BB962C8B-B14F-4D97-AF65-F5344CB8AC3E}">
-        <p14:creationId xmlns:p14="http://schemas.microsoft.com/office/powerpoint/2010/main" val="3735726863"/>
+        <p14:creationId xmlns:p14="http://schemas.microsoft.com/office/powerpoint/2010/main" val="3509914607"/>
       </p:ext>
     </p:extLst>
   </p:cSld>
@@ -3719,7 +3714,7 @@
           <a:bodyPr/>
           <a:lstStyle/>
           <a:p>
-            <a:endParaRPr lang="en-US"/>
+            <a:endParaRPr lang="en-US" dirty="0"/>
           </a:p>
         </p:txBody>
       </p:sp>
@@ -3741,6 +3736,90 @@
             <a:fld id="{1BFB27A5-EB77-4974-BC69-38AD4A658B47}" type="slidenum">
               <a:rPr lang="en-US" smtClean="0"/>
               <a:t>27</a:t>
+            </a:fld>
+            <a:endParaRPr lang="en-US"/>
+          </a:p>
+        </p:txBody>
+      </p:sp>
+    </p:spTree>
+    <p:extLst>
+      <p:ext uri="{BB962C8B-B14F-4D97-AF65-F5344CB8AC3E}">
+        <p14:creationId xmlns:p14="http://schemas.microsoft.com/office/powerpoint/2010/main" val="3735726863"/>
+      </p:ext>
+    </p:extLst>
+  </p:cSld>
+  <p:clrMapOvr>
+    <a:masterClrMapping/>
+  </p:clrMapOvr>
+</p:notes>
+</file>
+
+<file path=ppt/notesSlides/notesSlide26.xml><?xml version="1.0" encoding="utf-8"?>
+<p:notes xmlns:a="http://schemas.openxmlformats.org/drawingml/2006/main" xmlns:r="http://schemas.openxmlformats.org/officeDocument/2006/relationships" xmlns:p="http://schemas.openxmlformats.org/presentationml/2006/main">
+  <p:cSld>
+    <p:spTree>
+      <p:nvGrpSpPr>
+        <p:cNvPr id="1" name=""/>
+        <p:cNvGrpSpPr/>
+        <p:nvPr/>
+      </p:nvGrpSpPr>
+      <p:grpSpPr>
+        <a:xfrm>
+          <a:off x="0" y="0"/>
+          <a:ext cx="0" cy="0"/>
+          <a:chOff x="0" y="0"/>
+          <a:chExt cx="0" cy="0"/>
+        </a:xfrm>
+      </p:grpSpPr>
+      <p:sp>
+        <p:nvSpPr>
+          <p:cNvPr id="2" name="Slide Image Placeholder 1"/>
+          <p:cNvSpPr>
+            <a:spLocks noGrp="1" noRot="1" noChangeAspect="1"/>
+          </p:cNvSpPr>
+          <p:nvPr>
+            <p:ph type="sldImg"/>
+          </p:nvPr>
+        </p:nvSpPr>
+        <p:spPr/>
+      </p:sp>
+      <p:sp>
+        <p:nvSpPr>
+          <p:cNvPr id="3" name="Notes Placeholder 2"/>
+          <p:cNvSpPr>
+            <a:spLocks noGrp="1"/>
+          </p:cNvSpPr>
+          <p:nvPr>
+            <p:ph type="body" idx="1"/>
+          </p:nvPr>
+        </p:nvSpPr>
+        <p:spPr/>
+        <p:txBody>
+          <a:bodyPr/>
+          <a:lstStyle/>
+          <a:p>
+            <a:endParaRPr lang="en-US"/>
+          </a:p>
+        </p:txBody>
+      </p:sp>
+      <p:sp>
+        <p:nvSpPr>
+          <p:cNvPr id="4" name="Slide Number Placeholder 3"/>
+          <p:cNvSpPr>
+            <a:spLocks noGrp="1"/>
+          </p:cNvSpPr>
+          <p:nvPr>
+            <p:ph type="sldNum" sz="quarter" idx="5"/>
+          </p:nvPr>
+        </p:nvSpPr>
+        <p:spPr/>
+        <p:txBody>
+          <a:bodyPr/>
+          <a:lstStyle/>
+          <a:p>
+            <a:fld id="{1BFB27A5-EB77-4974-BC69-38AD4A658B47}" type="slidenum">
+              <a:rPr lang="en-US" smtClean="0"/>
+              <a:t>28</a:t>
             </a:fld>
             <a:endParaRPr lang="en-US"/>
           </a:p>
@@ -4204,44 +4283,6 @@
               <a:t>Rather than our choice of "group," let data find most distinct groups</a:t>
             </a:r>
           </a:p>
-          <a:p>
-            <a:endParaRPr lang="en-US" dirty="0">
-              <a:latin typeface="Proxima Nova"/>
-            </a:endParaRPr>
-          </a:p>
-          <a:p>
-            <a:r>
-              <a:rPr lang="en-US" dirty="0">
-                <a:latin typeface="Proxima Nova"/>
-              </a:rPr>
-              <a:t>Mention choice of number of clusters (we choose k=5 based on an algorithm that finds that as ideal).</a:t>
-            </a:r>
-          </a:p>
-          <a:p>
-            <a:r>
-              <a:rPr lang="en-US" dirty="0">
-                <a:latin typeface="Proxima Nova"/>
-              </a:rPr>
-              <a:t>Mention stability somehow?</a:t>
-            </a:r>
-          </a:p>
-          <a:p>
-            <a:r>
-              <a:rPr lang="en-US" dirty="0">
-                <a:latin typeface="Proxima Nova"/>
-              </a:rPr>
-              <a:t>Computer will create subgroups; emphasize that we hope for human-readable clusters</a:t>
-            </a:r>
-          </a:p>
-          <a:p>
-            <a:r>
-              <a:rPr lang="en-US" dirty="0">
-                <a:latin typeface="Proxima Nova"/>
-              </a:rPr>
-              <a:t>^^ make goals/concerns/limitations of clustering slide after this</a:t>
-            </a:r>
-            <a:endParaRPr lang="en-US" dirty="0"/>
-          </a:p>
         </p:txBody>
       </p:sp>
       <p:sp>
@@ -4325,14 +4366,26 @@
           <a:lstStyle/>
           <a:p>
             <a:r>
-              <a:rPr lang="en-US" dirty="0"/>
-              <a:t>When we complete our clustering, we check the distributions of different variables between each cluster.</a:t>
-            </a:r>
-          </a:p>
-          <a:p>
-            <a:r>
-              <a:rPr lang="en-US" dirty="0"/>
-              <a:t>Here, we see clusters 1 and 2 in red and gold are primarily Pell eligible, clusters 3 and 5 in green and purple are non-Pell eligible, and cluster 4 in blue is for when that data is missing. Most of that missing data is from students who did not submit their FAFSA.</a:t>
+              <a:rPr lang="en-US" dirty="0">
+                <a:latin typeface="Proxima Nova"/>
+              </a:rPr>
+              <a:t>Mention choice of number of clusters (we choose k=5 based on an algorithm that finds that as ideal).</a:t>
+            </a:r>
+          </a:p>
+          <a:p>
+            <a:r>
+              <a:rPr lang="en-US" dirty="0">
+                <a:latin typeface="Proxima Nova"/>
+              </a:rPr>
+              <a:t>Mention stability somehow?</a:t>
+            </a:r>
+          </a:p>
+          <a:p>
+            <a:r>
+              <a:rPr lang="en-US" dirty="0">
+                <a:latin typeface="Proxima Nova"/>
+              </a:rPr>
+              <a:t>Computer will create subgroups; emphasize that we hope for human-readable clusters</a:t>
             </a:r>
           </a:p>
         </p:txBody>
@@ -4363,7 +4416,7 @@
     </p:spTree>
     <p:extLst>
       <p:ext uri="{BB962C8B-B14F-4D97-AF65-F5344CB8AC3E}">
-        <p14:creationId xmlns:p14="http://schemas.microsoft.com/office/powerpoint/2010/main" val="1907594217"/>
+        <p14:creationId xmlns:p14="http://schemas.microsoft.com/office/powerpoint/2010/main" val="420197062"/>
       </p:ext>
     </p:extLst>
   </p:cSld>
@@ -4418,8 +4471,14 @@
           <a:lstStyle/>
           <a:p>
             <a:r>
-              <a:rPr lang="en-US"/>
-              <a:t>Here, we see similar patterns in unmet need. Clusters 1 and 2 have high unmet need, clusters 3 and 5 have low, and cluster 4 has mostly 0, which represents missing data.</a:t>
+              <a:rPr lang="en-US" dirty="0"/>
+              <a:t>When we complete our clustering, we check the distributions of different variables between each cluster.</a:t>
+            </a:r>
+          </a:p>
+          <a:p>
+            <a:r>
+              <a:rPr lang="en-US" dirty="0"/>
+              <a:t>Here, we see clusters 1 and 2 in red and gold are primarily Pell eligible, clusters 3 and 5 in green and purple are non-Pell eligible, and cluster 4 in blue is for when that data is missing. Most of that missing data is from students who did not submit their FAFSA.</a:t>
             </a:r>
           </a:p>
         </p:txBody>
@@ -4450,7 +4509,7 @@
     </p:spTree>
     <p:extLst>
       <p:ext uri="{BB962C8B-B14F-4D97-AF65-F5344CB8AC3E}">
-        <p14:creationId xmlns:p14="http://schemas.microsoft.com/office/powerpoint/2010/main" val="2660465709"/>
+        <p14:creationId xmlns:p14="http://schemas.microsoft.com/office/powerpoint/2010/main" val="1907594217"/>
       </p:ext>
     </p:extLst>
   </p:cSld>
@@ -4612,7 +4671,7 @@
           <a:p>
             <a:fld id="{BE4B41FD-D06B-EA42-A3A7-3BA69B7CF81B}" type="datetimeFigureOut">
               <a:rPr lang="en-US" smtClean="0"/>
-              <a:t>9/17/2025</a:t>
+              <a:t>9/19/2025</a:t>
             </a:fld>
             <a:endParaRPr lang="en-US"/>
           </a:p>
@@ -4790,7 +4849,7 @@
           <a:p>
             <a:fld id="{BE4B41FD-D06B-EA42-A3A7-3BA69B7CF81B}" type="datetimeFigureOut">
               <a:rPr lang="en-US" smtClean="0"/>
-              <a:t>9/17/2025</a:t>
+              <a:t>9/19/2025</a:t>
             </a:fld>
             <a:endParaRPr lang="en-US"/>
           </a:p>
@@ -4976,7 +5035,7 @@
           <a:p>
             <a:fld id="{BE4B41FD-D06B-EA42-A3A7-3BA69B7CF81B}" type="datetimeFigureOut">
               <a:rPr lang="en-US" smtClean="0"/>
-              <a:t>9/17/2025</a:t>
+              <a:t>9/19/2025</a:t>
             </a:fld>
             <a:endParaRPr lang="en-US"/>
           </a:p>
@@ -5144,7 +5203,7 @@
           <a:p>
             <a:fld id="{BE4B41FD-D06B-EA42-A3A7-3BA69B7CF81B}" type="datetimeFigureOut">
               <a:rPr lang="en-US" smtClean="0"/>
-              <a:t>9/17/2025</a:t>
+              <a:t>9/19/2025</a:t>
             </a:fld>
             <a:endParaRPr lang="en-US"/>
           </a:p>
@@ -5391,7 +5450,7 @@
           <a:p>
             <a:fld id="{BE4B41FD-D06B-EA42-A3A7-3BA69B7CF81B}" type="datetimeFigureOut">
               <a:rPr lang="en-US" smtClean="0"/>
-              <a:t>9/17/2025</a:t>
+              <a:t>9/19/2025</a:t>
             </a:fld>
             <a:endParaRPr lang="en-US"/>
           </a:p>
@@ -5620,7 +5679,7 @@
           <a:p>
             <a:fld id="{BE4B41FD-D06B-EA42-A3A7-3BA69B7CF81B}" type="datetimeFigureOut">
               <a:rPr lang="en-US" smtClean="0"/>
-              <a:t>9/17/2025</a:t>
+              <a:t>9/19/2025</a:t>
             </a:fld>
             <a:endParaRPr lang="en-US"/>
           </a:p>
@@ -5998,7 +6057,7 @@
           <a:p>
             <a:fld id="{BE4B41FD-D06B-EA42-A3A7-3BA69B7CF81B}" type="datetimeFigureOut">
               <a:rPr lang="en-US" smtClean="0"/>
-              <a:t>9/17/2025</a:t>
+              <a:t>9/19/2025</a:t>
             </a:fld>
             <a:endParaRPr lang="en-US"/>
           </a:p>
@@ -6115,7 +6174,7 @@
           <a:p>
             <a:fld id="{BE4B41FD-D06B-EA42-A3A7-3BA69B7CF81B}" type="datetimeFigureOut">
               <a:rPr lang="en-US" smtClean="0"/>
-              <a:t>9/17/2025</a:t>
+              <a:t>9/19/2025</a:t>
             </a:fld>
             <a:endParaRPr lang="en-US"/>
           </a:p>
@@ -6210,7 +6269,7 @@
           <a:p>
             <a:fld id="{BE4B41FD-D06B-EA42-A3A7-3BA69B7CF81B}" type="datetimeFigureOut">
               <a:rPr lang="en-US" smtClean="0"/>
-              <a:t>9/17/2025</a:t>
+              <a:t>9/19/2025</a:t>
             </a:fld>
             <a:endParaRPr lang="en-US"/>
           </a:p>
@@ -6491,7 +6550,7 @@
           <a:p>
             <a:fld id="{BE4B41FD-D06B-EA42-A3A7-3BA69B7CF81B}" type="datetimeFigureOut">
               <a:rPr lang="en-US" smtClean="0"/>
-              <a:t>9/17/2025</a:t>
+              <a:t>9/19/2025</a:t>
             </a:fld>
             <a:endParaRPr lang="en-US"/>
           </a:p>
@@ -6753,7 +6812,7 @@
           <a:p>
             <a:fld id="{BE4B41FD-D06B-EA42-A3A7-3BA69B7CF81B}" type="datetimeFigureOut">
               <a:rPr lang="en-US" smtClean="0"/>
-              <a:t>9/17/2025</a:t>
+              <a:t>9/19/2025</a:t>
             </a:fld>
             <a:endParaRPr lang="en-US"/>
           </a:p>
@@ -6973,7 +7032,7 @@
           <a:p>
             <a:fld id="{BE4B41FD-D06B-EA42-A3A7-3BA69B7CF81B}" type="datetimeFigureOut">
               <a:rPr lang="en-US" smtClean="0"/>
-              <a:t>9/17/2025</a:t>
+              <a:t>9/19/2025</a:t>
             </a:fld>
             <a:endParaRPr lang="en-US"/>
           </a:p>
@@ -7495,6 +7554,144 @@
           <p:cNvPr id="2" name="Title 1">
             <a:extLst>
               <a:ext uri="{FF2B5EF4-FFF2-40B4-BE49-F238E27FC236}">
+                <a16:creationId xmlns:a16="http://schemas.microsoft.com/office/drawing/2014/main" id="{6D92584C-F0A9-CA8A-5946-26313BDE9313}"/>
+              </a:ext>
+            </a:extLst>
+          </p:cNvPr>
+          <p:cNvSpPr>
+            <a:spLocks noGrp="1"/>
+          </p:cNvSpPr>
+          <p:nvPr>
+            <p:ph type="title"/>
+          </p:nvPr>
+        </p:nvSpPr>
+        <p:spPr/>
+        <p:txBody>
+          <a:bodyPr/>
+          <a:lstStyle/>
+          <a:p>
+            <a:r>
+              <a:rPr lang="en-US">
+                <a:latin typeface="Proxima Nova"/>
+              </a:rPr>
+              <a:t>Clusters – results</a:t>
+            </a:r>
+            <a:endParaRPr lang="en-US"/>
+          </a:p>
+        </p:txBody>
+      </p:sp>
+      <p:sp>
+        <p:nvSpPr>
+          <p:cNvPr id="3" name="Content Placeholder 2">
+            <a:extLst>
+              <a:ext uri="{FF2B5EF4-FFF2-40B4-BE49-F238E27FC236}">
+                <a16:creationId xmlns:a16="http://schemas.microsoft.com/office/drawing/2014/main" id="{EC159A49-E438-B48A-00B6-18A83459505B}"/>
+              </a:ext>
+            </a:extLst>
+          </p:cNvPr>
+          <p:cNvSpPr>
+            <a:spLocks noGrp="1"/>
+          </p:cNvSpPr>
+          <p:nvPr>
+            <p:ph idx="1"/>
+          </p:nvPr>
+        </p:nvSpPr>
+        <p:spPr>
+          <a:xfrm>
+            <a:off x="838200" y="5139255"/>
+            <a:ext cx="10515600" cy="1489166"/>
+          </a:xfrm>
+        </p:spPr>
+        <p:txBody>
+          <a:bodyPr vert="horz" lIns="91440" tIns="45720" rIns="91440" bIns="45720" rtlCol="0" anchor="t">
+            <a:normAutofit lnSpcReduction="10000"/>
+          </a:bodyPr>
+          <a:lstStyle/>
+          <a:p>
+            <a:r>
+              <a:rPr lang="en-US" dirty="0"/>
+              <a:t>Clusters 1, 2 are Pell eligible</a:t>
+            </a:r>
+          </a:p>
+          <a:p>
+            <a:r>
+              <a:rPr lang="en-US" dirty="0"/>
+              <a:t>Clusters 3, 5 are non-Pell eligible</a:t>
+            </a:r>
+          </a:p>
+          <a:p>
+            <a:r>
+              <a:rPr lang="en-US" dirty="0"/>
+              <a:t>Cluster 4 has unknown Pell eligibility – mostly, no FAFSA</a:t>
+            </a:r>
+          </a:p>
+        </p:txBody>
+      </p:sp>
+      <p:pic>
+        <p:nvPicPr>
+          <p:cNvPr id="5" name="Picture 4" descr="A graph with green and blue bars&#10;&#10;AI-generated content may be incorrect.">
+            <a:extLst>
+              <a:ext uri="{FF2B5EF4-FFF2-40B4-BE49-F238E27FC236}">
+                <a16:creationId xmlns:a16="http://schemas.microsoft.com/office/drawing/2014/main" id="{55DEDB3F-95FF-BE70-A751-226A3A391C32}"/>
+              </a:ext>
+            </a:extLst>
+          </p:cNvPr>
+          <p:cNvPicPr>
+            <a:picLocks noChangeAspect="1"/>
+          </p:cNvPicPr>
+          <p:nvPr/>
+        </p:nvPicPr>
+        <p:blipFill>
+          <a:blip r:embed="rId3"/>
+          <a:stretch>
+            <a:fillRect/>
+          </a:stretch>
+        </p:blipFill>
+        <p:spPr>
+          <a:xfrm>
+            <a:off x="0" y="1631111"/>
+            <a:ext cx="12192000" cy="3251200"/>
+          </a:xfrm>
+          <a:prstGeom prst="rect">
+            <a:avLst/>
+          </a:prstGeom>
+        </p:spPr>
+      </p:pic>
+    </p:spTree>
+    <p:extLst>
+      <p:ext uri="{BB962C8B-B14F-4D97-AF65-F5344CB8AC3E}">
+        <p14:creationId xmlns:p14="http://schemas.microsoft.com/office/powerpoint/2010/main" val="1709562270"/>
+      </p:ext>
+    </p:extLst>
+  </p:cSld>
+  <p:clrMapOvr>
+    <a:masterClrMapping/>
+  </p:clrMapOvr>
+</p:sld>
+</file>
+
+<file path=ppt/slides/slide11.xml><?xml version="1.0" encoding="utf-8"?>
+<p:sld xmlns:a="http://schemas.openxmlformats.org/drawingml/2006/main" xmlns:r="http://schemas.openxmlformats.org/officeDocument/2006/relationships" xmlns:p="http://schemas.openxmlformats.org/presentationml/2006/main">
+  <p:cSld>
+    <p:spTree>
+      <p:nvGrpSpPr>
+        <p:cNvPr id="1" name=""/>
+        <p:cNvGrpSpPr/>
+        <p:nvPr/>
+      </p:nvGrpSpPr>
+      <p:grpSpPr>
+        <a:xfrm>
+          <a:off x="0" y="0"/>
+          <a:ext cx="0" cy="0"/>
+          <a:chOff x="0" y="0"/>
+          <a:chExt cx="0" cy="0"/>
+        </a:xfrm>
+      </p:grpSpPr>
+      <p:sp>
+        <p:nvSpPr>
+          <p:cNvPr id="2" name="Title 1">
+            <a:extLst>
+              <a:ext uri="{FF2B5EF4-FFF2-40B4-BE49-F238E27FC236}">
                 <a16:creationId xmlns:a16="http://schemas.microsoft.com/office/drawing/2014/main" id="{8AC6309C-9B32-2EF8-3213-BE697EE53535}"/>
               </a:ext>
             </a:extLst>
@@ -7608,7 +7805,7 @@
 </p:sld>
 </file>
 
-<file path=ppt/slides/slide11.xml><?xml version="1.0" encoding="utf-8"?>
+<file path=ppt/slides/slide12.xml><?xml version="1.0" encoding="utf-8"?>
 <p:sld xmlns:a="http://schemas.openxmlformats.org/drawingml/2006/main" xmlns:r="http://schemas.openxmlformats.org/officeDocument/2006/relationships" xmlns:p="http://schemas.openxmlformats.org/presentationml/2006/main">
   <p:cSld>
     <p:spTree>
@@ -7688,7 +7885,7 @@
           <a:p>
             <a:r>
               <a:rPr lang="en-US" dirty="0"/>
-              <a:t>Cluster 4 – financial information missing, unknown why</a:t>
+              <a:t>Cluster 4 – financial information missing</a:t>
             </a:r>
           </a:p>
           <a:p>
@@ -7740,7 +7937,7 @@
 </p:sld>
 </file>
 
-<file path=ppt/slides/slide12.xml><?xml version="1.0" encoding="utf-8"?>
+<file path=ppt/slides/slide13.xml><?xml version="1.0" encoding="utf-8"?>
 <p:sld xmlns:a="http://schemas.openxmlformats.org/drawingml/2006/main" xmlns:r="http://schemas.openxmlformats.org/officeDocument/2006/relationships" xmlns:p="http://schemas.openxmlformats.org/presentationml/2006/main">
   <p:cSld>
     <p:spTree>
@@ -7867,119 +8064,6 @@
 </p:sld>
 </file>
 
-<file path=ppt/slides/slide13.xml><?xml version="1.0" encoding="utf-8"?>
-<p:sld xmlns:a="http://schemas.openxmlformats.org/drawingml/2006/main" xmlns:r="http://schemas.openxmlformats.org/officeDocument/2006/relationships" xmlns:p="http://schemas.openxmlformats.org/presentationml/2006/main">
-  <p:cSld>
-    <p:spTree>
-      <p:nvGrpSpPr>
-        <p:cNvPr id="1" name=""/>
-        <p:cNvGrpSpPr/>
-        <p:nvPr/>
-      </p:nvGrpSpPr>
-      <p:grpSpPr>
-        <a:xfrm>
-          <a:off x="0" y="0"/>
-          <a:ext cx="0" cy="0"/>
-          <a:chOff x="0" y="0"/>
-          <a:chExt cx="0" cy="0"/>
-        </a:xfrm>
-      </p:grpSpPr>
-      <p:sp>
-        <p:nvSpPr>
-          <p:cNvPr id="2" name="Title 1">
-            <a:extLst>
-              <a:ext uri="{FF2B5EF4-FFF2-40B4-BE49-F238E27FC236}">
-                <a16:creationId xmlns:a16="http://schemas.microsoft.com/office/drawing/2014/main" id="{A611B451-AB93-2B10-5A07-7D797A5FAE15}"/>
-              </a:ext>
-            </a:extLst>
-          </p:cNvPr>
-          <p:cNvSpPr>
-            <a:spLocks noGrp="1"/>
-          </p:cNvSpPr>
-          <p:nvPr>
-            <p:ph type="title"/>
-          </p:nvPr>
-        </p:nvSpPr>
-        <p:spPr/>
-        <p:txBody>
-          <a:bodyPr/>
-          <a:lstStyle/>
-          <a:p>
-            <a:r>
-              <a:rPr lang="en-US"/>
-              <a:t>Clusters – analysis 2</a:t>
-            </a:r>
-          </a:p>
-        </p:txBody>
-      </p:sp>
-      <p:sp>
-        <p:nvSpPr>
-          <p:cNvPr id="3" name="Content Placeholder 2">
-            <a:extLst>
-              <a:ext uri="{FF2B5EF4-FFF2-40B4-BE49-F238E27FC236}">
-                <a16:creationId xmlns:a16="http://schemas.microsoft.com/office/drawing/2014/main" id="{7D1E2ABB-3010-3C13-2BB0-7F6C45C1FDD6}"/>
-              </a:ext>
-            </a:extLst>
-          </p:cNvPr>
-          <p:cNvSpPr>
-            <a:spLocks noGrp="1"/>
-          </p:cNvSpPr>
-          <p:nvPr>
-            <p:ph idx="1"/>
-          </p:nvPr>
-        </p:nvSpPr>
-        <p:spPr/>
-        <p:txBody>
-          <a:bodyPr/>
-          <a:lstStyle/>
-          <a:p>
-            <a:r>
-              <a:rPr lang="en-US" dirty="0"/>
-              <a:t>Noticeable performance difference between clusters:</a:t>
-            </a:r>
-          </a:p>
-          <a:p>
-            <a:pPr lvl="1"/>
-            <a:r>
-              <a:rPr lang="en-US" dirty="0"/>
-              <a:t>Cluster 2 has 35% overall graduation rate</a:t>
-            </a:r>
-          </a:p>
-          <a:p>
-            <a:pPr lvl="1"/>
-            <a:r>
-              <a:rPr lang="en-US" dirty="0"/>
-              <a:t>Cluster 4 has 47%</a:t>
-            </a:r>
-          </a:p>
-          <a:p>
-            <a:pPr lvl="1"/>
-            <a:r>
-              <a:rPr lang="en-US" dirty="0"/>
-              <a:t>Cluster 5 has 53%</a:t>
-            </a:r>
-          </a:p>
-          <a:p>
-            <a:r>
-              <a:rPr lang="en-US" dirty="0"/>
-              <a:t>Recall that clustering did not use academic data at all</a:t>
-            </a:r>
-          </a:p>
-        </p:txBody>
-      </p:sp>
-    </p:spTree>
-    <p:extLst>
-      <p:ext uri="{BB962C8B-B14F-4D97-AF65-F5344CB8AC3E}">
-        <p14:creationId xmlns:p14="http://schemas.microsoft.com/office/powerpoint/2010/main" val="2235245268"/>
-      </p:ext>
-    </p:extLst>
-  </p:cSld>
-  <p:clrMapOvr>
-    <a:masterClrMapping/>
-  </p:clrMapOvr>
-</p:sld>
-</file>
-
 <file path=ppt/slides/slide14.xml><?xml version="1.0" encoding="utf-8"?>
 <p:sld xmlns:a="http://schemas.openxmlformats.org/drawingml/2006/main" xmlns:r="http://schemas.openxmlformats.org/officeDocument/2006/relationships" xmlns:p="http://schemas.openxmlformats.org/presentationml/2006/main">
   <p:cSld>
@@ -8002,6 +8086,119 @@
           <p:cNvPr id="2" name="Title 1">
             <a:extLst>
               <a:ext uri="{FF2B5EF4-FFF2-40B4-BE49-F238E27FC236}">
+                <a16:creationId xmlns:a16="http://schemas.microsoft.com/office/drawing/2014/main" id="{A611B451-AB93-2B10-5A07-7D797A5FAE15}"/>
+              </a:ext>
+            </a:extLst>
+          </p:cNvPr>
+          <p:cNvSpPr>
+            <a:spLocks noGrp="1"/>
+          </p:cNvSpPr>
+          <p:nvPr>
+            <p:ph type="title"/>
+          </p:nvPr>
+        </p:nvSpPr>
+        <p:spPr/>
+        <p:txBody>
+          <a:bodyPr/>
+          <a:lstStyle/>
+          <a:p>
+            <a:r>
+              <a:rPr lang="en-US"/>
+              <a:t>Clusters – analysis 2</a:t>
+            </a:r>
+          </a:p>
+        </p:txBody>
+      </p:sp>
+      <p:sp>
+        <p:nvSpPr>
+          <p:cNvPr id="3" name="Content Placeholder 2">
+            <a:extLst>
+              <a:ext uri="{FF2B5EF4-FFF2-40B4-BE49-F238E27FC236}">
+                <a16:creationId xmlns:a16="http://schemas.microsoft.com/office/drawing/2014/main" id="{7D1E2ABB-3010-3C13-2BB0-7F6C45C1FDD6}"/>
+              </a:ext>
+            </a:extLst>
+          </p:cNvPr>
+          <p:cNvSpPr>
+            <a:spLocks noGrp="1"/>
+          </p:cNvSpPr>
+          <p:nvPr>
+            <p:ph idx="1"/>
+          </p:nvPr>
+        </p:nvSpPr>
+        <p:spPr/>
+        <p:txBody>
+          <a:bodyPr/>
+          <a:lstStyle/>
+          <a:p>
+            <a:r>
+              <a:rPr lang="en-US" dirty="0"/>
+              <a:t>Noticeable performance difference between clusters:</a:t>
+            </a:r>
+          </a:p>
+          <a:p>
+            <a:pPr lvl="1"/>
+            <a:r>
+              <a:rPr lang="en-US" dirty="0"/>
+              <a:t>Cluster 2 has 35% overall graduation rate</a:t>
+            </a:r>
+          </a:p>
+          <a:p>
+            <a:pPr lvl="1"/>
+            <a:r>
+              <a:rPr lang="en-US" dirty="0"/>
+              <a:t>Cluster 4 has 47%</a:t>
+            </a:r>
+          </a:p>
+          <a:p>
+            <a:pPr lvl="1"/>
+            <a:r>
+              <a:rPr lang="en-US" dirty="0"/>
+              <a:t>Cluster 5 has 53%</a:t>
+            </a:r>
+          </a:p>
+          <a:p>
+            <a:r>
+              <a:rPr lang="en-US" dirty="0"/>
+              <a:t>Recall that clustering did not use academic data at all</a:t>
+            </a:r>
+          </a:p>
+        </p:txBody>
+      </p:sp>
+    </p:spTree>
+    <p:extLst>
+      <p:ext uri="{BB962C8B-B14F-4D97-AF65-F5344CB8AC3E}">
+        <p14:creationId xmlns:p14="http://schemas.microsoft.com/office/powerpoint/2010/main" val="2235245268"/>
+      </p:ext>
+    </p:extLst>
+  </p:cSld>
+  <p:clrMapOvr>
+    <a:masterClrMapping/>
+  </p:clrMapOvr>
+</p:sld>
+</file>
+
+<file path=ppt/slides/slide15.xml><?xml version="1.0" encoding="utf-8"?>
+<p:sld xmlns:a="http://schemas.openxmlformats.org/drawingml/2006/main" xmlns:r="http://schemas.openxmlformats.org/officeDocument/2006/relationships" xmlns:p="http://schemas.openxmlformats.org/presentationml/2006/main">
+  <p:cSld>
+    <p:spTree>
+      <p:nvGrpSpPr>
+        <p:cNvPr id="1" name=""/>
+        <p:cNvGrpSpPr/>
+        <p:nvPr/>
+      </p:nvGrpSpPr>
+      <p:grpSpPr>
+        <a:xfrm>
+          <a:off x="0" y="0"/>
+          <a:ext cx="0" cy="0"/>
+          <a:chOff x="0" y="0"/>
+          <a:chExt cx="0" cy="0"/>
+        </a:xfrm>
+      </p:grpSpPr>
+      <p:sp>
+        <p:nvSpPr>
+          <p:cNvPr id="2" name="Title 1">
+            <a:extLst>
+              <a:ext uri="{FF2B5EF4-FFF2-40B4-BE49-F238E27FC236}">
                 <a16:creationId xmlns:a16="http://schemas.microsoft.com/office/drawing/2014/main" id="{F724A208-646A-5C52-EAF5-921D55C54F5B}"/>
               </a:ext>
             </a:extLst>
@@ -8085,7 +8282,7 @@
 </p:sld>
 </file>
 
-<file path=ppt/slides/slide15.xml><?xml version="1.0" encoding="utf-8"?>
+<file path=ppt/slides/slide16.xml><?xml version="1.0" encoding="utf-8"?>
 <p:sld xmlns:a="http://schemas.openxmlformats.org/drawingml/2006/main" xmlns:r="http://schemas.openxmlformats.org/officeDocument/2006/relationships" xmlns:p="http://schemas.openxmlformats.org/presentationml/2006/main">
   <p:cSld>
     <p:spTree>
@@ -8211,7 +8408,7 @@
 </p:sld>
 </file>
 
-<file path=ppt/slides/slide16.xml><?xml version="1.0" encoding="utf-8"?>
+<file path=ppt/slides/slide17.xml><?xml version="1.0" encoding="utf-8"?>
 <p:sld xmlns:a="http://schemas.openxmlformats.org/drawingml/2006/main" xmlns:r="http://schemas.openxmlformats.org/officeDocument/2006/relationships" xmlns:p="http://schemas.openxmlformats.org/presentationml/2006/main">
   <p:cSld>
     <p:spTree>
@@ -8404,7 +8601,7 @@
 </p:sld>
 </file>
 
-<file path=ppt/slides/slide17.xml><?xml version="1.0" encoding="utf-8"?>
+<file path=ppt/slides/slide18.xml><?xml version="1.0" encoding="utf-8"?>
 <p:sld xmlns:a="http://schemas.openxmlformats.org/drawingml/2006/main" xmlns:r="http://schemas.openxmlformats.org/officeDocument/2006/relationships" xmlns:p="http://schemas.openxmlformats.org/presentationml/2006/main">
   <p:cSld>
     <p:spTree>
@@ -8604,7 +8801,7 @@
 </p:sld>
 </file>
 
-<file path=ppt/slides/slide18.xml><?xml version="1.0" encoding="utf-8"?>
+<file path=ppt/slides/slide19.xml><?xml version="1.0" encoding="utf-8"?>
 <p:sld xmlns:a="http://schemas.openxmlformats.org/drawingml/2006/main" xmlns:r="http://schemas.openxmlformats.org/officeDocument/2006/relationships" xmlns:p="http://schemas.openxmlformats.org/presentationml/2006/main">
   <p:cSld>
     <p:spTree>
@@ -8795,136 +8992,6 @@
     <p:extLst>
       <p:ext uri="{BB962C8B-B14F-4D97-AF65-F5344CB8AC3E}">
         <p14:creationId xmlns:p14="http://schemas.microsoft.com/office/powerpoint/2010/main" val="197549476"/>
-      </p:ext>
-    </p:extLst>
-  </p:cSld>
-  <p:clrMapOvr>
-    <a:masterClrMapping/>
-  </p:clrMapOvr>
-</p:sld>
-</file>
-
-<file path=ppt/slides/slide19.xml><?xml version="1.0" encoding="utf-8"?>
-<p:sld xmlns:a="http://schemas.openxmlformats.org/drawingml/2006/main" xmlns:r="http://schemas.openxmlformats.org/officeDocument/2006/relationships" xmlns:p="http://schemas.openxmlformats.org/presentationml/2006/main">
-  <p:cSld>
-    <p:spTree>
-      <p:nvGrpSpPr>
-        <p:cNvPr id="1" name=""/>
-        <p:cNvGrpSpPr/>
-        <p:nvPr/>
-      </p:nvGrpSpPr>
-      <p:grpSpPr>
-        <a:xfrm>
-          <a:off x="0" y="0"/>
-          <a:ext cx="0" cy="0"/>
-          <a:chOff x="0" y="0"/>
-          <a:chExt cx="0" cy="0"/>
-        </a:xfrm>
-      </p:grpSpPr>
-      <p:sp>
-        <p:nvSpPr>
-          <p:cNvPr id="2" name="Title 1">
-            <a:extLst>
-              <a:ext uri="{FF2B5EF4-FFF2-40B4-BE49-F238E27FC236}">
-                <a16:creationId xmlns:a16="http://schemas.microsoft.com/office/drawing/2014/main" id="{3279A5F4-2475-4CBB-A35C-D40947C9104E}"/>
-              </a:ext>
-            </a:extLst>
-          </p:cNvPr>
-          <p:cNvSpPr>
-            <a:spLocks noGrp="1"/>
-          </p:cNvSpPr>
-          <p:nvPr>
-            <p:ph type="title"/>
-          </p:nvPr>
-        </p:nvSpPr>
-        <p:spPr/>
-        <p:txBody>
-          <a:bodyPr/>
-          <a:lstStyle/>
-          <a:p>
-            <a:r>
-              <a:rPr lang="en-US"/>
-              <a:t>Tree Analysis – summary</a:t>
-            </a:r>
-          </a:p>
-        </p:txBody>
-      </p:sp>
-      <p:sp>
-        <p:nvSpPr>
-          <p:cNvPr id="3" name="Content Placeholder 2">
-            <a:extLst>
-              <a:ext uri="{FF2B5EF4-FFF2-40B4-BE49-F238E27FC236}">
-                <a16:creationId xmlns:a16="http://schemas.microsoft.com/office/drawing/2014/main" id="{0E3E3C64-81A0-3B9C-BA7B-B524A666740A}"/>
-              </a:ext>
-            </a:extLst>
-          </p:cNvPr>
-          <p:cNvSpPr>
-            <a:spLocks noGrp="1"/>
-          </p:cNvSpPr>
-          <p:nvPr>
-            <p:ph idx="1"/>
-          </p:nvPr>
-        </p:nvSpPr>
-        <p:spPr/>
-        <p:txBody>
-          <a:bodyPr/>
-          <a:lstStyle/>
-          <a:p>
-            <a:r>
-              <a:rPr lang="en-US" dirty="0"/>
-              <a:t>Unmet need or expected family contribution show up in every single tree, except for the cluster with missing financial data</a:t>
-            </a:r>
-          </a:p>
-          <a:p>
-            <a:r>
-              <a:rPr lang="en-US" dirty="0"/>
-              <a:t>Top splits:</a:t>
-            </a:r>
-          </a:p>
-          <a:p>
-            <a:pPr lvl="1"/>
-            <a:r>
-              <a:rPr lang="en-US" dirty="0"/>
-              <a:t>Cluster 1: Unmet need, 19,000</a:t>
-            </a:r>
-          </a:p>
-          <a:p>
-            <a:pPr lvl="1"/>
-            <a:r>
-              <a:rPr lang="en-US" dirty="0"/>
-              <a:t>Cluster 2: Federal EFC, 397</a:t>
-            </a:r>
-          </a:p>
-          <a:p>
-            <a:pPr lvl="1"/>
-            <a:r>
-              <a:rPr lang="en-US" dirty="0"/>
-              <a:t>Cluster 3: Enrollment type, transfer from 2-year institution</a:t>
-            </a:r>
-          </a:p>
-          <a:p>
-            <a:pPr lvl="1"/>
-            <a:r>
-              <a:rPr lang="en-US" dirty="0"/>
-              <a:t>Cluster 4: Enrollment type, transfer from 2-year or 4-year institution</a:t>
-            </a:r>
-          </a:p>
-          <a:p>
-            <a:pPr lvl="1"/>
-            <a:r>
-              <a:rPr lang="en-US" dirty="0"/>
-              <a:t>Cluster 5: Federal EFC, 13,000</a:t>
-            </a:r>
-          </a:p>
-          <a:p>
-            <a:endParaRPr lang="en-US" dirty="0"/>
-          </a:p>
-        </p:txBody>
-      </p:sp>
-    </p:spTree>
-    <p:extLst>
-      <p:ext uri="{BB962C8B-B14F-4D97-AF65-F5344CB8AC3E}">
-        <p14:creationId xmlns:p14="http://schemas.microsoft.com/office/powerpoint/2010/main" val="3945755639"/>
       </p:ext>
     </p:extLst>
   </p:cSld>
@@ -9092,7 +9159,7 @@
           <p:cNvPr id="2" name="Title 1">
             <a:extLst>
               <a:ext uri="{FF2B5EF4-FFF2-40B4-BE49-F238E27FC236}">
-                <a16:creationId xmlns:a16="http://schemas.microsoft.com/office/drawing/2014/main" id="{28F837AE-F0F6-2139-85F1-F8031AF4AF71}"/>
+                <a16:creationId xmlns:a16="http://schemas.microsoft.com/office/drawing/2014/main" id="{3279A5F4-2475-4CBB-A35C-D40947C9104E}"/>
               </a:ext>
             </a:extLst>
           </p:cNvPr>
@@ -9109,12 +9176,9 @@
           <a:lstStyle/>
           <a:p>
             <a:r>
-              <a:rPr lang="en-US">
-                <a:latin typeface="Proxima Nova"/>
-              </a:rPr>
-              <a:t>Tree Analysis – conclusions</a:t>
-            </a:r>
-            <a:endParaRPr lang="en-US"/>
+              <a:rPr lang="en-US"/>
+              <a:t>Tree Analysis – summary</a:t>
+            </a:r>
           </a:p>
         </p:txBody>
       </p:sp>
@@ -9123,7 +9187,7 @@
           <p:cNvPr id="3" name="Content Placeholder 2">
             <a:extLst>
               <a:ext uri="{FF2B5EF4-FFF2-40B4-BE49-F238E27FC236}">
-                <a16:creationId xmlns:a16="http://schemas.microsoft.com/office/drawing/2014/main" id="{BE53ED5B-3A35-5FDD-6C45-9DA8E0C04490}"/>
+                <a16:creationId xmlns:a16="http://schemas.microsoft.com/office/drawing/2014/main" id="{0E3E3C64-81A0-3B9C-BA7B-B524A666740A}"/>
               </a:ext>
             </a:extLst>
           </p:cNvPr>
@@ -9140,28 +9204,60 @@
           <a:lstStyle/>
           <a:p>
             <a:r>
-              <a:rPr lang="en-US"/>
-              <a:t>Financial information is key in splitting clusters </a:t>
-            </a:r>
-          </a:p>
-          <a:p>
-            <a:r>
-              <a:rPr lang="en-US"/>
-              <a:t>Financial information is key in determining performance within clusters</a:t>
-            </a:r>
-          </a:p>
-          <a:p>
-            <a:r>
-              <a:rPr lang="en-US"/>
-              <a:t>Overall, financial data is our primary factor for success</a:t>
-            </a:r>
+              <a:rPr lang="en-US" dirty="0"/>
+              <a:t>Unmet need or expected family contribution show up in every single tree, except for the cluster with missing financial data</a:t>
+            </a:r>
+          </a:p>
+          <a:p>
+            <a:r>
+              <a:rPr lang="en-US" dirty="0"/>
+              <a:t>Top splits:</a:t>
+            </a:r>
+          </a:p>
+          <a:p>
+            <a:pPr lvl="1"/>
+            <a:r>
+              <a:rPr lang="en-US" dirty="0"/>
+              <a:t>Cluster 1: Unmet need, 19,000</a:t>
+            </a:r>
+          </a:p>
+          <a:p>
+            <a:pPr lvl="1"/>
+            <a:r>
+              <a:rPr lang="en-US" dirty="0"/>
+              <a:t>Cluster 2: Federal EFC, 397</a:t>
+            </a:r>
+          </a:p>
+          <a:p>
+            <a:pPr lvl="1"/>
+            <a:r>
+              <a:rPr lang="en-US" dirty="0"/>
+              <a:t>Cluster 3: Enrollment type, transfer from 2-year institution</a:t>
+            </a:r>
+          </a:p>
+          <a:p>
+            <a:pPr lvl="1"/>
+            <a:r>
+              <a:rPr lang="en-US" dirty="0"/>
+              <a:t>Cluster 4: Enrollment type, transfer from 2-year or 4-year institution</a:t>
+            </a:r>
+          </a:p>
+          <a:p>
+            <a:pPr lvl="1"/>
+            <a:r>
+              <a:rPr lang="en-US" dirty="0"/>
+              <a:t>Cluster 5: Federal EFC, 13,000</a:t>
+            </a:r>
+          </a:p>
+          <a:p>
+            <a:endParaRPr lang="en-US" dirty="0"/>
           </a:p>
         </p:txBody>
       </p:sp>
     </p:spTree>
     <p:extLst>
       <p:ext uri="{BB962C8B-B14F-4D97-AF65-F5344CB8AC3E}">
-        <p14:creationId xmlns:p14="http://schemas.microsoft.com/office/powerpoint/2010/main" val="2659133922"/>
+        <p14:creationId xmlns:p14="http://schemas.microsoft.com/office/powerpoint/2010/main" val="3945755639"/>
       </p:ext>
     </p:extLst>
   </p:cSld>
@@ -9193,6 +9289,107 @@
           <p:cNvPr id="2" name="Title 1">
             <a:extLst>
               <a:ext uri="{FF2B5EF4-FFF2-40B4-BE49-F238E27FC236}">
+                <a16:creationId xmlns:a16="http://schemas.microsoft.com/office/drawing/2014/main" id="{28F837AE-F0F6-2139-85F1-F8031AF4AF71}"/>
+              </a:ext>
+            </a:extLst>
+          </p:cNvPr>
+          <p:cNvSpPr>
+            <a:spLocks noGrp="1"/>
+          </p:cNvSpPr>
+          <p:nvPr>
+            <p:ph type="title"/>
+          </p:nvPr>
+        </p:nvSpPr>
+        <p:spPr/>
+        <p:txBody>
+          <a:bodyPr/>
+          <a:lstStyle/>
+          <a:p>
+            <a:r>
+              <a:rPr lang="en-US">
+                <a:latin typeface="Proxima Nova"/>
+              </a:rPr>
+              <a:t>Tree Analysis – conclusions</a:t>
+            </a:r>
+            <a:endParaRPr lang="en-US"/>
+          </a:p>
+        </p:txBody>
+      </p:sp>
+      <p:sp>
+        <p:nvSpPr>
+          <p:cNvPr id="3" name="Content Placeholder 2">
+            <a:extLst>
+              <a:ext uri="{FF2B5EF4-FFF2-40B4-BE49-F238E27FC236}">
+                <a16:creationId xmlns:a16="http://schemas.microsoft.com/office/drawing/2014/main" id="{BE53ED5B-3A35-5FDD-6C45-9DA8E0C04490}"/>
+              </a:ext>
+            </a:extLst>
+          </p:cNvPr>
+          <p:cNvSpPr>
+            <a:spLocks noGrp="1"/>
+          </p:cNvSpPr>
+          <p:nvPr>
+            <p:ph idx="1"/>
+          </p:nvPr>
+        </p:nvSpPr>
+        <p:spPr/>
+        <p:txBody>
+          <a:bodyPr/>
+          <a:lstStyle/>
+          <a:p>
+            <a:r>
+              <a:rPr lang="en-US"/>
+              <a:t>Financial information is key in splitting clusters </a:t>
+            </a:r>
+          </a:p>
+          <a:p>
+            <a:r>
+              <a:rPr lang="en-US"/>
+              <a:t>Financial information is key in determining performance within clusters</a:t>
+            </a:r>
+          </a:p>
+          <a:p>
+            <a:r>
+              <a:rPr lang="en-US"/>
+              <a:t>Overall, financial data is our primary factor for success</a:t>
+            </a:r>
+          </a:p>
+        </p:txBody>
+      </p:sp>
+    </p:spTree>
+    <p:extLst>
+      <p:ext uri="{BB962C8B-B14F-4D97-AF65-F5344CB8AC3E}">
+        <p14:creationId xmlns:p14="http://schemas.microsoft.com/office/powerpoint/2010/main" val="2659133922"/>
+      </p:ext>
+    </p:extLst>
+  </p:cSld>
+  <p:clrMapOvr>
+    <a:masterClrMapping/>
+  </p:clrMapOvr>
+</p:sld>
+</file>
+
+<file path=ppt/slides/slide22.xml><?xml version="1.0" encoding="utf-8"?>
+<p:sld xmlns:a="http://schemas.openxmlformats.org/drawingml/2006/main" xmlns:r="http://schemas.openxmlformats.org/officeDocument/2006/relationships" xmlns:p="http://schemas.openxmlformats.org/presentationml/2006/main">
+  <p:cSld>
+    <p:spTree>
+      <p:nvGrpSpPr>
+        <p:cNvPr id="1" name=""/>
+        <p:cNvGrpSpPr/>
+        <p:nvPr/>
+      </p:nvGrpSpPr>
+      <p:grpSpPr>
+        <a:xfrm>
+          <a:off x="0" y="0"/>
+          <a:ext cx="0" cy="0"/>
+          <a:chOff x="0" y="0"/>
+          <a:chExt cx="0" cy="0"/>
+        </a:xfrm>
+      </p:grpSpPr>
+      <p:sp>
+        <p:nvSpPr>
+          <p:cNvPr id="2" name="Title 1">
+            <a:extLst>
+              <a:ext uri="{FF2B5EF4-FFF2-40B4-BE49-F238E27FC236}">
                 <a16:creationId xmlns:a16="http://schemas.microsoft.com/office/drawing/2014/main" id="{33F3AAB9-73F2-8F31-B62E-99FA82A9908E}"/>
               </a:ext>
             </a:extLst>
@@ -9278,7 +9475,7 @@
 </p:sld>
 </file>
 
-<file path=ppt/slides/slide22.xml><?xml version="1.0" encoding="utf-8"?>
+<file path=ppt/slides/slide23.xml><?xml version="1.0" encoding="utf-8"?>
 <p:sld xmlns:a="http://schemas.openxmlformats.org/drawingml/2006/main" xmlns:r="http://schemas.openxmlformats.org/officeDocument/2006/relationships" xmlns:p="http://schemas.openxmlformats.org/presentationml/2006/main">
   <p:cSld>
     <p:spTree>
@@ -9519,7 +9716,7 @@
 </p:sld>
 </file>
 
-<file path=ppt/slides/slide23.xml><?xml version="1.0" encoding="utf-8"?>
+<file path=ppt/slides/slide24.xml><?xml version="1.0" encoding="utf-8"?>
 <p:sld xmlns:a="http://schemas.openxmlformats.org/drawingml/2006/main" xmlns:r="http://schemas.openxmlformats.org/officeDocument/2006/relationships" xmlns:p="http://schemas.openxmlformats.org/presentationml/2006/main">
   <p:cSld>
     <p:spTree>
@@ -9634,7 +9831,7 @@
 </p:sld>
 </file>
 
-<file path=ppt/slides/slide24.xml><?xml version="1.0" encoding="utf-8"?>
+<file path=ppt/slides/slide25.xml><?xml version="1.0" encoding="utf-8"?>
 <p:sld xmlns:a="http://schemas.openxmlformats.org/drawingml/2006/main" xmlns:r="http://schemas.openxmlformats.org/officeDocument/2006/relationships" xmlns:p="http://schemas.openxmlformats.org/presentationml/2006/main">
   <p:cSld>
     <p:spTree>
@@ -10052,118 +10249,6 @@
 </p:sld>
 </file>
 
-<file path=ppt/slides/slide25.xml><?xml version="1.0" encoding="utf-8"?>
-<p:sld xmlns:a="http://schemas.openxmlformats.org/drawingml/2006/main" xmlns:r="http://schemas.openxmlformats.org/officeDocument/2006/relationships" xmlns:p="http://schemas.openxmlformats.org/presentationml/2006/main">
-  <p:cSld>
-    <p:spTree>
-      <p:nvGrpSpPr>
-        <p:cNvPr id="1" name=""/>
-        <p:cNvGrpSpPr/>
-        <p:nvPr/>
-      </p:nvGrpSpPr>
-      <p:grpSpPr>
-        <a:xfrm>
-          <a:off x="0" y="0"/>
-          <a:ext cx="0" cy="0"/>
-          <a:chOff x="0" y="0"/>
-          <a:chExt cx="0" cy="0"/>
-        </a:xfrm>
-      </p:grpSpPr>
-      <p:sp>
-        <p:nvSpPr>
-          <p:cNvPr id="2" name="Title 1">
-            <a:extLst>
-              <a:ext uri="{FF2B5EF4-FFF2-40B4-BE49-F238E27FC236}">
-                <a16:creationId xmlns:a16="http://schemas.microsoft.com/office/drawing/2014/main" id="{E3BC5F4C-D6FE-450E-48D6-CDD6A2020C7B}"/>
-              </a:ext>
-            </a:extLst>
-          </p:cNvPr>
-          <p:cNvSpPr>
-            <a:spLocks noGrp="1"/>
-          </p:cNvSpPr>
-          <p:nvPr>
-            <p:ph type="title"/>
-          </p:nvPr>
-        </p:nvSpPr>
-        <p:spPr/>
-        <p:txBody>
-          <a:bodyPr/>
-          <a:lstStyle/>
-          <a:p>
-            <a:r>
-              <a:rPr lang="en-US"/>
-              <a:t>Discussion 2</a:t>
-            </a:r>
-          </a:p>
-        </p:txBody>
-      </p:sp>
-      <p:sp>
-        <p:nvSpPr>
-          <p:cNvPr id="3" name="Content Placeholder 2">
-            <a:extLst>
-              <a:ext uri="{FF2B5EF4-FFF2-40B4-BE49-F238E27FC236}">
-                <a16:creationId xmlns:a16="http://schemas.microsoft.com/office/drawing/2014/main" id="{8FED424D-8FBD-731C-8F6B-3F08147FDC43}"/>
-              </a:ext>
-            </a:extLst>
-          </p:cNvPr>
-          <p:cNvSpPr>
-            <a:spLocks noGrp="1"/>
-          </p:cNvSpPr>
-          <p:nvPr>
-            <p:ph idx="1"/>
-          </p:nvPr>
-        </p:nvSpPr>
-        <p:spPr/>
-        <p:txBody>
-          <a:bodyPr>
-            <a:normAutofit fontScale="92500"/>
-          </a:bodyPr>
-          <a:lstStyle/>
-          <a:p>
-            <a:r>
-              <a:rPr lang="en-US" dirty="0"/>
-              <a:t>A t-test for proportions between S-STEM and both eligible groups is not significant</a:t>
-            </a:r>
-          </a:p>
-          <a:p>
-            <a:r>
-              <a:rPr lang="en-US" dirty="0"/>
-              <a:t>This is untrustworthy due to low sample size</a:t>
-            </a:r>
-          </a:p>
-          <a:p>
-            <a:endParaRPr lang="en-US" dirty="0"/>
-          </a:p>
-          <a:p>
-            <a:r>
-              <a:rPr lang="en-US" dirty="0"/>
-              <a:t>Further research and more data is required</a:t>
-            </a:r>
-          </a:p>
-          <a:p>
-            <a:endParaRPr lang="en-US" dirty="0"/>
-          </a:p>
-          <a:p>
-            <a:r>
-              <a:rPr lang="en-US" dirty="0"/>
-              <a:t>If we calculate the retention rate of S-STEM scholars’ neighbors and use that as the probability of retention for each S-STEM scholar, then the probability of getting at most 1 student not retained is at most .0235, depending on missing value replacement</a:t>
-            </a:r>
-          </a:p>
-        </p:txBody>
-      </p:sp>
-    </p:spTree>
-    <p:extLst>
-      <p:ext uri="{BB962C8B-B14F-4D97-AF65-F5344CB8AC3E}">
-        <p14:creationId xmlns:p14="http://schemas.microsoft.com/office/powerpoint/2010/main" val="655760923"/>
-      </p:ext>
-    </p:extLst>
-  </p:cSld>
-  <p:clrMapOvr>
-    <a:masterClrMapping/>
-  </p:clrMapOvr>
-</p:sld>
-</file>
-
 <file path=ppt/slides/slide26.xml><?xml version="1.0" encoding="utf-8"?>
 <p:sld xmlns:a="http://schemas.openxmlformats.org/drawingml/2006/main" xmlns:r="http://schemas.openxmlformats.org/officeDocument/2006/relationships" xmlns:p="http://schemas.openxmlformats.org/presentationml/2006/main">
   <p:cSld>
@@ -10186,6 +10271,118 @@
           <p:cNvPr id="2" name="Title 1">
             <a:extLst>
               <a:ext uri="{FF2B5EF4-FFF2-40B4-BE49-F238E27FC236}">
+                <a16:creationId xmlns:a16="http://schemas.microsoft.com/office/drawing/2014/main" id="{E3BC5F4C-D6FE-450E-48D6-CDD6A2020C7B}"/>
+              </a:ext>
+            </a:extLst>
+          </p:cNvPr>
+          <p:cNvSpPr>
+            <a:spLocks noGrp="1"/>
+          </p:cNvSpPr>
+          <p:nvPr>
+            <p:ph type="title"/>
+          </p:nvPr>
+        </p:nvSpPr>
+        <p:spPr/>
+        <p:txBody>
+          <a:bodyPr/>
+          <a:lstStyle/>
+          <a:p>
+            <a:r>
+              <a:rPr lang="en-US"/>
+              <a:t>Discussion 2</a:t>
+            </a:r>
+          </a:p>
+        </p:txBody>
+      </p:sp>
+      <p:sp>
+        <p:nvSpPr>
+          <p:cNvPr id="3" name="Content Placeholder 2">
+            <a:extLst>
+              <a:ext uri="{FF2B5EF4-FFF2-40B4-BE49-F238E27FC236}">
+                <a16:creationId xmlns:a16="http://schemas.microsoft.com/office/drawing/2014/main" id="{8FED424D-8FBD-731C-8F6B-3F08147FDC43}"/>
+              </a:ext>
+            </a:extLst>
+          </p:cNvPr>
+          <p:cNvSpPr>
+            <a:spLocks noGrp="1"/>
+          </p:cNvSpPr>
+          <p:nvPr>
+            <p:ph idx="1"/>
+          </p:nvPr>
+        </p:nvSpPr>
+        <p:spPr/>
+        <p:txBody>
+          <a:bodyPr>
+            <a:normAutofit fontScale="92500"/>
+          </a:bodyPr>
+          <a:lstStyle/>
+          <a:p>
+            <a:r>
+              <a:rPr lang="en-US" dirty="0"/>
+              <a:t>A t-test for proportions between S-STEM and both eligible groups is not significant</a:t>
+            </a:r>
+          </a:p>
+          <a:p>
+            <a:r>
+              <a:rPr lang="en-US" dirty="0"/>
+              <a:t>This is untrustworthy due to low sample size</a:t>
+            </a:r>
+          </a:p>
+          <a:p>
+            <a:endParaRPr lang="en-US" dirty="0"/>
+          </a:p>
+          <a:p>
+            <a:r>
+              <a:rPr lang="en-US" dirty="0"/>
+              <a:t>Further research and more data is required</a:t>
+            </a:r>
+          </a:p>
+          <a:p>
+            <a:endParaRPr lang="en-US" dirty="0"/>
+          </a:p>
+          <a:p>
+            <a:r>
+              <a:rPr lang="en-US" dirty="0"/>
+              <a:t>If we calculate the retention rate of S-STEM scholars’ neighbors and use that as the probability of retention for each S-STEM scholar, then the probability of getting at most 1 student not retained is at most .0235, depending on missing value replacement</a:t>
+            </a:r>
+          </a:p>
+        </p:txBody>
+      </p:sp>
+    </p:spTree>
+    <p:extLst>
+      <p:ext uri="{BB962C8B-B14F-4D97-AF65-F5344CB8AC3E}">
+        <p14:creationId xmlns:p14="http://schemas.microsoft.com/office/powerpoint/2010/main" val="655760923"/>
+      </p:ext>
+    </p:extLst>
+  </p:cSld>
+  <p:clrMapOvr>
+    <a:masterClrMapping/>
+  </p:clrMapOvr>
+</p:sld>
+</file>
+
+<file path=ppt/slides/slide27.xml><?xml version="1.0" encoding="utf-8"?>
+<p:sld xmlns:a="http://schemas.openxmlformats.org/drawingml/2006/main" xmlns:r="http://schemas.openxmlformats.org/officeDocument/2006/relationships" xmlns:p="http://schemas.openxmlformats.org/presentationml/2006/main">
+  <p:cSld>
+    <p:spTree>
+      <p:nvGrpSpPr>
+        <p:cNvPr id="1" name=""/>
+        <p:cNvGrpSpPr/>
+        <p:nvPr/>
+      </p:nvGrpSpPr>
+      <p:grpSpPr>
+        <a:xfrm>
+          <a:off x="0" y="0"/>
+          <a:ext cx="0" cy="0"/>
+          <a:chOff x="0" y="0"/>
+          <a:chExt cx="0" cy="0"/>
+        </a:xfrm>
+      </p:grpSpPr>
+      <p:sp>
+        <p:nvSpPr>
+          <p:cNvPr id="2" name="Title 1">
+            <a:extLst>
+              <a:ext uri="{FF2B5EF4-FFF2-40B4-BE49-F238E27FC236}">
                 <a16:creationId xmlns:a16="http://schemas.microsoft.com/office/drawing/2014/main" id="{5A01042A-EC57-A3FE-C328-3B4A04A1EA8C}"/>
               </a:ext>
             </a:extLst>
@@ -10228,10 +10425,15 @@
             <p:ph idx="1"/>
           </p:nvPr>
         </p:nvSpPr>
-        <p:spPr/>
+        <p:spPr>
+          <a:xfrm>
+            <a:off x="838200" y="1825624"/>
+            <a:ext cx="10515600" cy="4849495"/>
+          </a:xfrm>
+        </p:spPr>
         <p:txBody>
           <a:bodyPr vert="horz" lIns="91440" tIns="45720" rIns="91440" bIns="45720" rtlCol="0" anchor="t">
-            <a:normAutofit fontScale="62500" lnSpcReduction="20000"/>
+            <a:normAutofit fontScale="70000" lnSpcReduction="20000"/>
           </a:bodyPr>
           <a:lstStyle/>
           <a:p>
@@ -10342,12 +10544,18 @@
           </a:p>
           <a:p>
             <a:r>
-              <a:rPr lang="en-US" dirty="0" err="1"/>
-              <a:t>Github</a:t>
-            </a:r>
-            <a:r>
               <a:rPr lang="en-US" dirty="0"/>
-              <a:t>? [Update the code file to have retention stuff too (if time)]</a:t>
+              <a:t>Slides, code, and results available at: </a:t>
+            </a:r>
+            <a:r>
+              <a:rPr lang="en-US" dirty="0">
+                <a:hlinkClick r:id="rId7"/>
+              </a:rPr>
+              <a:t>https://github.com/faxmachine19/SSTEM-Towson</a:t>
+            </a:r>
+            <a:r>
+              <a:rPr lang="en-US" dirty="0"/>
+              <a:t> </a:t>
             </a:r>
           </a:p>
         </p:txBody>
@@ -10365,7 +10573,7 @@
 </p:sld>
 </file>
 
-<file path=ppt/slides/slide27.xml><?xml version="1.0" encoding="utf-8"?>
+<file path=ppt/slides/slide28.xml><?xml version="1.0" encoding="utf-8"?>
 <p:sld xmlns:a="http://schemas.openxmlformats.org/drawingml/2006/main" xmlns:r="http://schemas.openxmlformats.org/officeDocument/2006/relationships" xmlns:p="http://schemas.openxmlformats.org/presentationml/2006/main">
   <p:cSld>
     <p:spTree>
@@ -11165,7 +11373,7 @@
           <p:cNvPr id="2" name="Title 1">
             <a:extLst>
               <a:ext uri="{FF2B5EF4-FFF2-40B4-BE49-F238E27FC236}">
-                <a16:creationId xmlns:a16="http://schemas.microsoft.com/office/drawing/2014/main" id="{6D92584C-F0A9-CA8A-5946-26313BDE9313}"/>
+                <a16:creationId xmlns:a16="http://schemas.microsoft.com/office/drawing/2014/main" id="{F920643E-1E32-0CE2-C9F4-574FB8FAA715}"/>
               </a:ext>
             </a:extLst>
           </p:cNvPr>
@@ -11182,12 +11390,9 @@
           <a:lstStyle/>
           <a:p>
             <a:r>
-              <a:rPr lang="en-US">
-                <a:latin typeface="Proxima Nova"/>
-              </a:rPr>
-              <a:t>Clusters – results</a:t>
-            </a:r>
-            <a:endParaRPr lang="en-US"/>
+              <a:rPr lang="en-US" dirty="0"/>
+              <a:t>Clusters - details</a:t>
+            </a:r>
           </a:p>
         </p:txBody>
       </p:sp>
@@ -11196,7 +11401,7 @@
           <p:cNvPr id="3" name="Content Placeholder 2">
             <a:extLst>
               <a:ext uri="{FF2B5EF4-FFF2-40B4-BE49-F238E27FC236}">
-                <a16:creationId xmlns:a16="http://schemas.microsoft.com/office/drawing/2014/main" id="{EC159A49-E438-B48A-00B6-18A83459505B}"/>
+                <a16:creationId xmlns:a16="http://schemas.microsoft.com/office/drawing/2014/main" id="{56195616-E3DF-401F-DAA7-B6A41D8DD565}"/>
               </a:ext>
             </a:extLst>
           </p:cNvPr>
@@ -11207,71 +11412,50 @@
             <p:ph idx="1"/>
           </p:nvPr>
         </p:nvSpPr>
-        <p:spPr>
-          <a:xfrm>
-            <a:off x="838200" y="5139255"/>
-            <a:ext cx="10515600" cy="1489166"/>
-          </a:xfrm>
-        </p:spPr>
-        <p:txBody>
-          <a:bodyPr vert="horz" lIns="91440" tIns="45720" rIns="91440" bIns="45720" rtlCol="0" anchor="t">
-            <a:normAutofit lnSpcReduction="10000"/>
-          </a:bodyPr>
+        <p:spPr/>
+        <p:txBody>
+          <a:bodyPr/>
           <a:lstStyle/>
           <a:p>
             <a:r>
               <a:rPr lang="en-US" dirty="0"/>
-              <a:t>Clusters 1, 2 are Pell eligible</a:t>
+              <a:t>k-means algorithm will find k subgroups in the data</a:t>
             </a:r>
           </a:p>
           <a:p>
             <a:r>
               <a:rPr lang="en-US" dirty="0"/>
-              <a:t>Clusters 3, 5 are non-Pell eligible</a:t>
-            </a:r>
-          </a:p>
-          <a:p>
+              <a:t>We need to know k before running the algorithm</a:t>
+            </a:r>
+          </a:p>
+          <a:p>
+            <a:pPr lvl="1"/>
             <a:r>
               <a:rPr lang="en-US" dirty="0"/>
-              <a:t>Cluster 4 has unknown Pell eligibility – mostly, no FAFSA</a:t>
-            </a:r>
-          </a:p>
-        </p:txBody>
-      </p:sp>
-      <p:pic>
-        <p:nvPicPr>
-          <p:cNvPr id="5" name="Picture 4" descr="A graph with green and blue bars&#10;&#10;AI-generated content may be incorrect.">
-            <a:extLst>
-              <a:ext uri="{FF2B5EF4-FFF2-40B4-BE49-F238E27FC236}">
-                <a16:creationId xmlns:a16="http://schemas.microsoft.com/office/drawing/2014/main" id="{55DEDB3F-95FF-BE70-A751-226A3A391C32}"/>
-              </a:ext>
-            </a:extLst>
-          </p:cNvPr>
-          <p:cNvPicPr>
-            <a:picLocks noChangeAspect="1"/>
-          </p:cNvPicPr>
-          <p:nvPr/>
-        </p:nvPicPr>
-        <p:blipFill>
-          <a:blip r:embed="rId3"/>
-          <a:stretch>
-            <a:fillRect/>
-          </a:stretch>
-        </p:blipFill>
-        <p:spPr>
-          <a:xfrm>
-            <a:off x="0" y="1631111"/>
-            <a:ext cx="12192000" cy="3251200"/>
-          </a:xfrm>
-          <a:prstGeom prst="rect">
-            <a:avLst/>
-          </a:prstGeom>
-        </p:spPr>
-      </p:pic>
+              <a:t>Algorithms find k=5 is best for the given dataset and features</a:t>
+            </a:r>
+          </a:p>
+          <a:p>
+            <a:r>
+              <a:rPr lang="en-US" dirty="0"/>
+              <a:t>The subgroups it finds may or may not be human readable or carry much meaning</a:t>
+            </a:r>
+          </a:p>
+          <a:p>
+            <a:r>
+              <a:rPr lang="en-US" dirty="0"/>
+              <a:t>Clustering is typically unstable – small changes in dataset can result in large changes in clusters</a:t>
+            </a:r>
+          </a:p>
+          <a:p>
+            <a:endParaRPr lang="en-US" dirty="0"/>
+          </a:p>
+        </p:txBody>
+      </p:sp>
     </p:spTree>
     <p:extLst>
       <p:ext uri="{BB962C8B-B14F-4D97-AF65-F5344CB8AC3E}">
-        <p14:creationId xmlns:p14="http://schemas.microsoft.com/office/powerpoint/2010/main" val="1709562270"/>
+        <p14:creationId xmlns:p14="http://schemas.microsoft.com/office/powerpoint/2010/main" val="2563498633"/>
       </p:ext>
     </p:extLst>
   </p:cSld>
